--- a/neo4j Presentation.pptx
+++ b/neo4j Presentation.pptx
@@ -6,23 +6,30 @@
   </p:sldMasterIdLst>
   <p:sldIdLst>
     <p:sldId id="257" r:id="rId5"/>
-    <p:sldId id="258" r:id="rId6"/>
-    <p:sldId id="259" r:id="rId7"/>
-    <p:sldId id="265" r:id="rId8"/>
-    <p:sldId id="260" r:id="rId9"/>
-    <p:sldId id="264" r:id="rId10"/>
-    <p:sldId id="261" r:id="rId11"/>
-    <p:sldId id="262" r:id="rId12"/>
-    <p:sldId id="263" r:id="rId13"/>
-    <p:sldId id="267" r:id="rId14"/>
-    <p:sldId id="268" r:id="rId15"/>
-    <p:sldId id="269" r:id="rId16"/>
-    <p:sldId id="270" r:id="rId17"/>
-    <p:sldId id="271" r:id="rId18"/>
-    <p:sldId id="272" r:id="rId19"/>
-    <p:sldId id="273" r:id="rId20"/>
-    <p:sldId id="274" r:id="rId21"/>
-    <p:sldId id="266" r:id="rId22"/>
+    <p:sldId id="280" r:id="rId6"/>
+    <p:sldId id="275" r:id="rId7"/>
+    <p:sldId id="276" r:id="rId8"/>
+    <p:sldId id="277" r:id="rId9"/>
+    <p:sldId id="278" r:id="rId10"/>
+    <p:sldId id="279" r:id="rId11"/>
+    <p:sldId id="282" r:id="rId12"/>
+    <p:sldId id="258" r:id="rId13"/>
+    <p:sldId id="259" r:id="rId14"/>
+    <p:sldId id="265" r:id="rId15"/>
+    <p:sldId id="260" r:id="rId16"/>
+    <p:sldId id="264" r:id="rId17"/>
+    <p:sldId id="262" r:id="rId18"/>
+    <p:sldId id="263" r:id="rId19"/>
+    <p:sldId id="266" r:id="rId20"/>
+    <p:sldId id="267" r:id="rId21"/>
+    <p:sldId id="268" r:id="rId22"/>
+    <p:sldId id="269" r:id="rId23"/>
+    <p:sldId id="270" r:id="rId24"/>
+    <p:sldId id="271" r:id="rId25"/>
+    <p:sldId id="272" r:id="rId26"/>
+    <p:sldId id="273" r:id="rId27"/>
+    <p:sldId id="274" r:id="rId28"/>
+    <p:sldId id="281" r:id="rId29"/>
   </p:sldIdLst>
   <p:sldSz cx="12192000" cy="6858000"/>
   <p:notesSz cx="6858000" cy="9144000"/>
@@ -897,7 +904,7 @@
         <a:bodyPr/>
         <a:lstStyle/>
         <a:p>
-          <a:pPr>
+          <a:pPr algn="l">
             <a:buFont typeface="Arial" panose="020B0604020202020204" pitchFamily="34" charset="0"/>
             <a:buChar char="•"/>
           </a:pPr>
@@ -938,7 +945,7 @@
         <a:bodyPr/>
         <a:lstStyle/>
         <a:p>
-          <a:pPr>
+          <a:pPr algn="l">
             <a:buFont typeface="Arial" panose="020B0604020202020204" pitchFamily="34" charset="0"/>
             <a:buChar char="•"/>
           </a:pPr>
@@ -979,7 +986,7 @@
         <a:bodyPr/>
         <a:lstStyle/>
         <a:p>
-          <a:pPr>
+          <a:pPr algn="l">
             <a:buFont typeface="Arial" panose="020B0604020202020204" pitchFamily="34" charset="0"/>
             <a:buChar char="•"/>
           </a:pPr>
@@ -1176,7 +1183,7 @@
         </a:bodyPr>
         <a:lstStyle/>
         <a:p>
-          <a:pPr marL="0" lvl="0" indent="0" algn="ctr" defTabSz="1333500">
+          <a:pPr marL="0" lvl="0" indent="0" algn="l" defTabSz="1333500">
             <a:lnSpc>
               <a:spcPct val="90000"/>
             </a:lnSpc>
@@ -1257,7 +1264,7 @@
         </a:bodyPr>
         <a:lstStyle/>
         <a:p>
-          <a:pPr marL="0" lvl="0" indent="0" algn="ctr" defTabSz="1333500">
+          <a:pPr marL="0" lvl="0" indent="0" algn="l" defTabSz="1333500">
             <a:lnSpc>
               <a:spcPct val="90000"/>
             </a:lnSpc>
@@ -1338,7 +1345,7 @@
         </a:bodyPr>
         <a:lstStyle/>
         <a:p>
-          <a:pPr marL="0" lvl="0" indent="0" algn="ctr" defTabSz="1333500">
+          <a:pPr marL="0" lvl="0" indent="0" algn="l" defTabSz="1333500">
             <a:lnSpc>
               <a:spcPct val="90000"/>
             </a:lnSpc>
@@ -3162,7 +3169,7 @@
           <a:p>
             <a:fld id="{ED291B17-9318-49DB-B28B-6E5994AE9581}" type="datetime1">
               <a:rPr lang="en-US" smtClean="0"/>
-              <a:t>8/17/2023</a:t>
+              <a:t>9/11/2023</a:t>
             </a:fld>
             <a:endParaRPr lang="en-US" dirty="0"/>
           </a:p>
@@ -3365,7 +3372,7 @@
           <a:p>
             <a:fld id="{2CED4963-E985-44C4-B8C4-FDD613B7C2F8}" type="datetime1">
               <a:rPr lang="en-US" smtClean="0"/>
-              <a:t>8/17/2023</a:t>
+              <a:t>9/11/2023</a:t>
             </a:fld>
             <a:endParaRPr lang="en-US" dirty="0"/>
           </a:p>
@@ -3727,7 +3734,7 @@
           <a:p>
             <a:fld id="{ED291B17-9318-49DB-B28B-6E5994AE9581}" type="datetime1">
               <a:rPr lang="en-US" smtClean="0"/>
-              <a:t>8/17/2023</a:t>
+              <a:t>9/11/2023</a:t>
             </a:fld>
             <a:endParaRPr lang="en-US" dirty="0"/>
           </a:p>
@@ -3925,7 +3932,7 @@
           <a:p>
             <a:fld id="{78DD82B9-B8EE-4375-B6FF-88FA6ABB15D9}" type="datetime1">
               <a:rPr lang="en-US" smtClean="0"/>
-              <a:t>8/17/2023</a:t>
+              <a:t>9/11/2023</a:t>
             </a:fld>
             <a:endParaRPr lang="en-US" dirty="0"/>
           </a:p>
@@ -4237,7 +4244,7 @@
           <a:p>
             <a:fld id="{B2497495-0637-405E-AE64-5CC7506D51F5}" type="datetime1">
               <a:rPr lang="en-US" smtClean="0"/>
-              <a:t>8/17/2023</a:t>
+              <a:t>9/11/2023</a:t>
             </a:fld>
             <a:endParaRPr lang="en-US" dirty="0"/>
           </a:p>
@@ -4490,7 +4497,7 @@
           <a:p>
             <a:fld id="{7BFFD690-9426-415D-8B65-26881E07B2D4}" type="datetime1">
               <a:rPr lang="en-US" smtClean="0"/>
-              <a:t>8/17/2023</a:t>
+              <a:t>9/11/2023</a:t>
             </a:fld>
             <a:endParaRPr lang="en-US" dirty="0"/>
           </a:p>
@@ -4912,7 +4919,7 @@
           <a:p>
             <a:fld id="{04C4989A-474C-40DE-95B9-011C28B71673}" type="datetime1">
               <a:rPr lang="en-US" smtClean="0"/>
-              <a:t>8/17/2023</a:t>
+              <a:t>9/11/2023</a:t>
             </a:fld>
             <a:endParaRPr lang="en-US" dirty="0"/>
           </a:p>
@@ -5035,7 +5042,7 @@
           <a:p>
             <a:fld id="{5DB4ED54-5B5E-4A04-93D3-5772E3CE3818}" type="datetime1">
               <a:rPr lang="en-US" smtClean="0"/>
-              <a:t>8/17/2023</a:t>
+              <a:t>9/11/2023</a:t>
             </a:fld>
             <a:endParaRPr lang="en-US" dirty="0"/>
           </a:p>
@@ -5130,7 +5137,7 @@
           <a:p>
             <a:fld id="{4EDE50D6-574B-40AF-946F-D52A04ADE379}" type="datetime1">
               <a:rPr lang="en-US" smtClean="0"/>
-              <a:t>8/17/2023</a:t>
+              <a:t>9/11/2023</a:t>
             </a:fld>
             <a:endParaRPr lang="en-US" dirty="0"/>
           </a:p>
@@ -5507,7 +5514,7 @@
           <a:p>
             <a:fld id="{D82884F1-FFEA-405F-9602-3DCA865EDA4E}" type="datetime1">
               <a:rPr lang="en-US" smtClean="0"/>
-              <a:t>8/17/2023</a:t>
+              <a:t>9/11/2023</a:t>
             </a:fld>
             <a:endParaRPr lang="en-US" dirty="0"/>
           </a:p>
@@ -5800,7 +5807,7 @@
           <a:p>
             <a:fld id="{7E18DB4A-8810-4A10-AD5C-D5E2C667F5B3}" type="datetime1">
               <a:rPr lang="en-US" smtClean="0"/>
-              <a:t>8/17/2023</a:t>
+              <a:t>9/11/2023</a:t>
             </a:fld>
             <a:endParaRPr lang="en-US" dirty="0"/>
           </a:p>
@@ -6015,7 +6022,7 @@
           <a:p>
             <a:fld id="{ED291B17-9318-49DB-B28B-6E5994AE9581}" type="datetime1">
               <a:rPr lang="en-US" smtClean="0"/>
-              <a:t>8/17/2023</a:t>
+              <a:t>9/11/2023</a:t>
             </a:fld>
             <a:endParaRPr lang="en-US" dirty="0"/>
           </a:p>
@@ -6733,8 +6740,8 @@
         </p:nvSpPr>
         <p:spPr>
           <a:xfrm>
-            <a:off x="581191" y="1020431"/>
-            <a:ext cx="10993549" cy="1475013"/>
+            <a:off x="581191" y="1020432"/>
+            <a:ext cx="7755985" cy="803184"/>
           </a:xfrm>
         </p:spPr>
         <p:txBody>
@@ -6744,9 +6751,10 @@
           <a:lstStyle/>
           <a:p>
             <a:r>
-              <a:rPr lang="en-US" dirty="0"/>
-              <a:t>A Graph Database for the Real World</a:t>
-            </a:r>
+              <a:rPr lang="en-US" cap="none" dirty="0"/>
+              <a:t>NeoDatis &amp; neo4j</a:t>
+            </a:r>
+            <a:endParaRPr lang="en-US" dirty="0"/>
           </a:p>
         </p:txBody>
       </p:sp>
@@ -6768,8 +6776,8 @@
         </p:nvSpPr>
         <p:spPr>
           <a:xfrm>
-            <a:off x="581194" y="2495445"/>
-            <a:ext cx="10993546" cy="468233"/>
+            <a:off x="581191" y="1806890"/>
+            <a:ext cx="7363959" cy="803184"/>
           </a:xfrm>
         </p:spPr>
         <p:txBody>
@@ -6779,9 +6787,50 @@
           <a:lstStyle/>
           <a:p>
             <a:r>
-              <a:rPr lang="en-US" dirty="0"/>
-              <a:t>A powerful and scalable database for storing and querying relationships</a:t>
-            </a:r>
+              <a:rPr lang="en-US" b="1" cap="none" dirty="0">
+                <a:solidFill>
+                  <a:schemeClr val="accent1">
+                    <a:lumMod val="50000"/>
+                  </a:schemeClr>
+                </a:solidFill>
+              </a:rPr>
+              <a:t>NeoDatis</a:t>
+            </a:r>
+            <a:r>
+              <a:rPr lang="en-US" cap="none" dirty="0">
+                <a:solidFill>
+                  <a:schemeClr val="accent1">
+                    <a:lumMod val="50000"/>
+                  </a:schemeClr>
+                </a:solidFill>
+              </a:rPr>
+              <a:t> </a:t>
+            </a:r>
+            <a:r>
+              <a:rPr lang="en-US" cap="none" dirty="0"/>
+              <a:t>: An object oriented database </a:t>
+            </a:r>
+          </a:p>
+          <a:p>
+            <a:r>
+              <a:rPr lang="en-US" b="1" cap="none" dirty="0">
+                <a:solidFill>
+                  <a:schemeClr val="accent1">
+                    <a:lumMod val="50000"/>
+                  </a:schemeClr>
+                </a:solidFill>
+              </a:rPr>
+              <a:t>neo4j </a:t>
+            </a:r>
+            <a:r>
+              <a:rPr lang="en-US" cap="none" dirty="0"/>
+              <a:t>: a </a:t>
+            </a:r>
+            <a:r>
+              <a:rPr lang="en-IN" cap="none" dirty="0"/>
+              <a:t>Powerful Graph Database</a:t>
+            </a:r>
+            <a:endParaRPr lang="en-US" cap="none" dirty="0"/>
           </a:p>
         </p:txBody>
       </p:sp>
@@ -6970,7 +7019,7 @@
       </p:sp>
       <p:pic>
         <p:nvPicPr>
-          <p:cNvPr id="6" name="Picture 5" descr="abstract image">
+          <p:cNvPr id="6" name="Picture 5">
             <a:extLst>
               <a:ext uri="{FF2B5EF4-FFF2-40B4-BE49-F238E27FC236}">
                 <a16:creationId xmlns:a16="http://schemas.microsoft.com/office/drawing/2014/main" id="{F1A8C364-94D4-4630-BAD0-78722F347055}"/>
@@ -6985,18 +7034,109 @@
         <p:blipFill rotWithShape="1">
           <a:blip r:embed="rId2">
             <a:extLst>
-              <a:ext uri="{28A0092B-C50C-407E-A947-70E740481C1C}">
-                <a14:useLocalDpi xmlns:a14="http://schemas.microsoft.com/office/drawing/2010/main" val="0"/>
+              <a:ext uri="{837473B0-CC2E-450A-ABE3-18F120FF3D39}">
+                <a1611:picAttrSrcUrl xmlns:a1611="http://schemas.microsoft.com/office/drawing/2016/11/main" r:id="rId3"/>
               </a:ext>
             </a:extLst>
           </a:blip>
-          <a:srcRect/>
+          <a:srcRect t="21299" b="21299"/>
           <a:stretch/>
         </p:blipFill>
         <p:spPr>
           <a:xfrm>
-            <a:off x="448733" y="3081867"/>
-            <a:ext cx="11260667" cy="3310466"/>
+            <a:off x="446534" y="3081867"/>
+            <a:ext cx="11298933" cy="3318934"/>
+          </a:xfrm>
+          <a:prstGeom prst="rect">
+            <a:avLst/>
+          </a:prstGeom>
+        </p:spPr>
+      </p:pic>
+      <p:sp>
+        <p:nvSpPr>
+          <p:cNvPr id="4" name="TextBox 3">
+            <a:extLst>
+              <a:ext uri="{FF2B5EF4-FFF2-40B4-BE49-F238E27FC236}">
+                <a16:creationId xmlns:a16="http://schemas.microsoft.com/office/drawing/2014/main" id="{CCD5C309-EEE9-B139-1043-5A9C27D09982}"/>
+              </a:ext>
+            </a:extLst>
+          </p:cNvPr>
+          <p:cNvSpPr txBox="1"/>
+          <p:nvPr/>
+        </p:nvSpPr>
+        <p:spPr>
+          <a:xfrm>
+            <a:off x="8337176" y="1093694"/>
+            <a:ext cx="3237561" cy="1200329"/>
+          </a:xfrm>
+          <a:prstGeom prst="rect">
+            <a:avLst/>
+          </a:prstGeom>
+          <a:noFill/>
+        </p:spPr>
+        <p:txBody>
+          <a:bodyPr wrap="square" rtlCol="0">
+            <a:spAutoFit/>
+          </a:bodyPr>
+          <a:lstStyle/>
+          <a:p>
+            <a:r>
+              <a:rPr lang="en-IN" b="1" dirty="0">
+                <a:solidFill>
+                  <a:schemeClr val="accent1"/>
+                </a:solidFill>
+              </a:rPr>
+              <a:t>Presented By</a:t>
+            </a:r>
+          </a:p>
+          <a:p>
+            <a:r>
+              <a:rPr lang="en-IN" dirty="0" err="1"/>
+              <a:t>Nixan</a:t>
+            </a:r>
+            <a:r>
+              <a:rPr lang="en-IN" dirty="0"/>
+              <a:t> Parmar(31) </a:t>
+            </a:r>
+          </a:p>
+          <a:p>
+            <a:r>
+              <a:rPr lang="en-IN" dirty="0"/>
+              <a:t>Tejasv Modi (27)</a:t>
+            </a:r>
+          </a:p>
+          <a:p>
+            <a:r>
+              <a:rPr lang="en-IN" dirty="0"/>
+              <a:t>Smit Joshi (18)</a:t>
+            </a:r>
+          </a:p>
+        </p:txBody>
+      </p:sp>
+      <p:pic>
+        <p:nvPicPr>
+          <p:cNvPr id="7" name="Picture 6">
+            <a:extLst>
+              <a:ext uri="{FF2B5EF4-FFF2-40B4-BE49-F238E27FC236}">
+                <a16:creationId xmlns:a16="http://schemas.microsoft.com/office/drawing/2014/main" id="{CD8CB557-5AF1-1056-6479-4EAE3250E47A}"/>
+              </a:ext>
+            </a:extLst>
+          </p:cNvPr>
+          <p:cNvPicPr>
+            <a:picLocks noChangeAspect="1"/>
+          </p:cNvPicPr>
+          <p:nvPr/>
+        </p:nvPicPr>
+        <p:blipFill>
+          <a:blip r:embed="rId4"/>
+          <a:stretch>
+            <a:fillRect/>
+          </a:stretch>
+        </p:blipFill>
+        <p:spPr>
+          <a:xfrm>
+            <a:off x="11295529" y="0"/>
+            <a:ext cx="896471" cy="459441"/>
           </a:xfrm>
           <a:prstGeom prst="rect">
             <a:avLst/>
@@ -7033,635 +7173,6 @@
           <a:chExt cx="0" cy="0"/>
         </a:xfrm>
       </p:grpSpPr>
-      <p:pic>
-        <p:nvPicPr>
-          <p:cNvPr id="3" name="Picture 2">
-            <a:extLst>
-              <a:ext uri="{FF2B5EF4-FFF2-40B4-BE49-F238E27FC236}">
-                <a16:creationId xmlns:a16="http://schemas.microsoft.com/office/drawing/2014/main" id="{9856FD58-BAF7-9EB8-4B03-2752D70441BB}"/>
-              </a:ext>
-            </a:extLst>
-          </p:cNvPr>
-          <p:cNvPicPr>
-            <a:picLocks noChangeAspect="1"/>
-          </p:cNvPicPr>
-          <p:nvPr/>
-        </p:nvPicPr>
-        <p:blipFill>
-          <a:blip r:embed="rId2"/>
-          <a:stretch>
-            <a:fillRect/>
-          </a:stretch>
-        </p:blipFill>
-        <p:spPr>
-          <a:xfrm>
-            <a:off x="0" y="0"/>
-            <a:ext cx="12192000" cy="6858000"/>
-          </a:xfrm>
-          <a:prstGeom prst="rect">
-            <a:avLst/>
-          </a:prstGeom>
-        </p:spPr>
-      </p:pic>
-    </p:spTree>
-    <p:extLst>
-      <p:ext uri="{BB962C8B-B14F-4D97-AF65-F5344CB8AC3E}">
-        <p14:creationId xmlns:p14="http://schemas.microsoft.com/office/powerpoint/2010/main" val="2037803964"/>
-      </p:ext>
-    </p:extLst>
-  </p:cSld>
-  <p:clrMapOvr>
-    <a:masterClrMapping/>
-  </p:clrMapOvr>
-</p:sld>
-</file>
-
-<file path=ppt/slides/slide11.xml><?xml version="1.0" encoding="utf-8"?>
-<p:sld xmlns:a="http://schemas.openxmlformats.org/drawingml/2006/main" xmlns:r="http://schemas.openxmlformats.org/officeDocument/2006/relationships" xmlns:p="http://schemas.openxmlformats.org/presentationml/2006/main">
-  <p:cSld>
-    <p:spTree>
-      <p:nvGrpSpPr>
-        <p:cNvPr id="1" name=""/>
-        <p:cNvGrpSpPr/>
-        <p:nvPr/>
-      </p:nvGrpSpPr>
-      <p:grpSpPr>
-        <a:xfrm>
-          <a:off x="0" y="0"/>
-          <a:ext cx="0" cy="0"/>
-          <a:chOff x="0" y="0"/>
-          <a:chExt cx="0" cy="0"/>
-        </a:xfrm>
-      </p:grpSpPr>
-      <p:pic>
-        <p:nvPicPr>
-          <p:cNvPr id="4" name="Picture 3">
-            <a:extLst>
-              <a:ext uri="{FF2B5EF4-FFF2-40B4-BE49-F238E27FC236}">
-                <a16:creationId xmlns:a16="http://schemas.microsoft.com/office/drawing/2014/main" id="{ABACAC2B-792F-D614-44AE-603419424E75}"/>
-              </a:ext>
-            </a:extLst>
-          </p:cNvPr>
-          <p:cNvPicPr>
-            <a:picLocks noChangeAspect="1"/>
-          </p:cNvPicPr>
-          <p:nvPr/>
-        </p:nvPicPr>
-        <p:blipFill>
-          <a:blip r:embed="rId2"/>
-          <a:stretch>
-            <a:fillRect/>
-          </a:stretch>
-        </p:blipFill>
-        <p:spPr>
-          <a:xfrm>
-            <a:off x="0" y="0"/>
-            <a:ext cx="12192000" cy="6858000"/>
-          </a:xfrm>
-          <a:prstGeom prst="rect">
-            <a:avLst/>
-          </a:prstGeom>
-        </p:spPr>
-      </p:pic>
-    </p:spTree>
-    <p:extLst>
-      <p:ext uri="{BB962C8B-B14F-4D97-AF65-F5344CB8AC3E}">
-        <p14:creationId xmlns:p14="http://schemas.microsoft.com/office/powerpoint/2010/main" val="177862992"/>
-      </p:ext>
-    </p:extLst>
-  </p:cSld>
-  <p:clrMapOvr>
-    <a:masterClrMapping/>
-  </p:clrMapOvr>
-</p:sld>
-</file>
-
-<file path=ppt/slides/slide12.xml><?xml version="1.0" encoding="utf-8"?>
-<p:sld xmlns:a="http://schemas.openxmlformats.org/drawingml/2006/main" xmlns:r="http://schemas.openxmlformats.org/officeDocument/2006/relationships" xmlns:p="http://schemas.openxmlformats.org/presentationml/2006/main">
-  <p:cSld>
-    <p:spTree>
-      <p:nvGrpSpPr>
-        <p:cNvPr id="1" name=""/>
-        <p:cNvGrpSpPr/>
-        <p:nvPr/>
-      </p:nvGrpSpPr>
-      <p:grpSpPr>
-        <a:xfrm>
-          <a:off x="0" y="0"/>
-          <a:ext cx="0" cy="0"/>
-          <a:chOff x="0" y="0"/>
-          <a:chExt cx="0" cy="0"/>
-        </a:xfrm>
-      </p:grpSpPr>
-      <p:pic>
-        <p:nvPicPr>
-          <p:cNvPr id="3" name="Picture 2">
-            <a:extLst>
-              <a:ext uri="{FF2B5EF4-FFF2-40B4-BE49-F238E27FC236}">
-                <a16:creationId xmlns:a16="http://schemas.microsoft.com/office/drawing/2014/main" id="{28C6174F-3829-7546-8488-B8131D0CE9BD}"/>
-              </a:ext>
-            </a:extLst>
-          </p:cNvPr>
-          <p:cNvPicPr>
-            <a:picLocks noChangeAspect="1"/>
-          </p:cNvPicPr>
-          <p:nvPr/>
-        </p:nvPicPr>
-        <p:blipFill>
-          <a:blip r:embed="rId2"/>
-          <a:stretch>
-            <a:fillRect/>
-          </a:stretch>
-        </p:blipFill>
-        <p:spPr>
-          <a:xfrm>
-            <a:off x="0" y="0"/>
-            <a:ext cx="12192000" cy="6858000"/>
-          </a:xfrm>
-          <a:prstGeom prst="rect">
-            <a:avLst/>
-          </a:prstGeom>
-        </p:spPr>
-      </p:pic>
-    </p:spTree>
-    <p:extLst>
-      <p:ext uri="{BB962C8B-B14F-4D97-AF65-F5344CB8AC3E}">
-        <p14:creationId xmlns:p14="http://schemas.microsoft.com/office/powerpoint/2010/main" val="1693563562"/>
-      </p:ext>
-    </p:extLst>
-  </p:cSld>
-  <p:clrMapOvr>
-    <a:masterClrMapping/>
-  </p:clrMapOvr>
-</p:sld>
-</file>
-
-<file path=ppt/slides/slide13.xml><?xml version="1.0" encoding="utf-8"?>
-<p:sld xmlns:a="http://schemas.openxmlformats.org/drawingml/2006/main" xmlns:r="http://schemas.openxmlformats.org/officeDocument/2006/relationships" xmlns:p="http://schemas.openxmlformats.org/presentationml/2006/main">
-  <p:cSld>
-    <p:spTree>
-      <p:nvGrpSpPr>
-        <p:cNvPr id="1" name=""/>
-        <p:cNvGrpSpPr/>
-        <p:nvPr/>
-      </p:nvGrpSpPr>
-      <p:grpSpPr>
-        <a:xfrm>
-          <a:off x="0" y="0"/>
-          <a:ext cx="0" cy="0"/>
-          <a:chOff x="0" y="0"/>
-          <a:chExt cx="0" cy="0"/>
-        </a:xfrm>
-      </p:grpSpPr>
-      <p:pic>
-        <p:nvPicPr>
-          <p:cNvPr id="4" name="Picture 3">
-            <a:extLst>
-              <a:ext uri="{FF2B5EF4-FFF2-40B4-BE49-F238E27FC236}">
-                <a16:creationId xmlns:a16="http://schemas.microsoft.com/office/drawing/2014/main" id="{96A1A1C7-43AD-34C2-0903-7B4F7E09F7FC}"/>
-              </a:ext>
-            </a:extLst>
-          </p:cNvPr>
-          <p:cNvPicPr>
-            <a:picLocks noChangeAspect="1"/>
-          </p:cNvPicPr>
-          <p:nvPr/>
-        </p:nvPicPr>
-        <p:blipFill>
-          <a:blip r:embed="rId2"/>
-          <a:stretch>
-            <a:fillRect/>
-          </a:stretch>
-        </p:blipFill>
-        <p:spPr>
-          <a:xfrm>
-            <a:off x="0" y="0"/>
-            <a:ext cx="12192000" cy="6858000"/>
-          </a:xfrm>
-          <a:prstGeom prst="rect">
-            <a:avLst/>
-          </a:prstGeom>
-        </p:spPr>
-      </p:pic>
-    </p:spTree>
-    <p:extLst>
-      <p:ext uri="{BB962C8B-B14F-4D97-AF65-F5344CB8AC3E}">
-        <p14:creationId xmlns:p14="http://schemas.microsoft.com/office/powerpoint/2010/main" val="2055849493"/>
-      </p:ext>
-    </p:extLst>
-  </p:cSld>
-  <p:clrMapOvr>
-    <a:masterClrMapping/>
-  </p:clrMapOvr>
-</p:sld>
-</file>
-
-<file path=ppt/slides/slide14.xml><?xml version="1.0" encoding="utf-8"?>
-<p:sld xmlns:a="http://schemas.openxmlformats.org/drawingml/2006/main" xmlns:r="http://schemas.openxmlformats.org/officeDocument/2006/relationships" xmlns:p="http://schemas.openxmlformats.org/presentationml/2006/main">
-  <p:cSld>
-    <p:spTree>
-      <p:nvGrpSpPr>
-        <p:cNvPr id="1" name=""/>
-        <p:cNvGrpSpPr/>
-        <p:nvPr/>
-      </p:nvGrpSpPr>
-      <p:grpSpPr>
-        <a:xfrm>
-          <a:off x="0" y="0"/>
-          <a:ext cx="0" cy="0"/>
-          <a:chOff x="0" y="0"/>
-          <a:chExt cx="0" cy="0"/>
-        </a:xfrm>
-      </p:grpSpPr>
-      <p:pic>
-        <p:nvPicPr>
-          <p:cNvPr id="3" name="Picture 2">
-            <a:extLst>
-              <a:ext uri="{FF2B5EF4-FFF2-40B4-BE49-F238E27FC236}">
-                <a16:creationId xmlns:a16="http://schemas.microsoft.com/office/drawing/2014/main" id="{2103CA66-7977-29CD-2D3E-9AE2D0E03314}"/>
-              </a:ext>
-            </a:extLst>
-          </p:cNvPr>
-          <p:cNvPicPr>
-            <a:picLocks noChangeAspect="1"/>
-          </p:cNvPicPr>
-          <p:nvPr/>
-        </p:nvPicPr>
-        <p:blipFill>
-          <a:blip r:embed="rId2"/>
-          <a:stretch>
-            <a:fillRect/>
-          </a:stretch>
-        </p:blipFill>
-        <p:spPr>
-          <a:xfrm>
-            <a:off x="0" y="0"/>
-            <a:ext cx="12192000" cy="6858000"/>
-          </a:xfrm>
-          <a:prstGeom prst="rect">
-            <a:avLst/>
-          </a:prstGeom>
-        </p:spPr>
-      </p:pic>
-    </p:spTree>
-    <p:extLst>
-      <p:ext uri="{BB962C8B-B14F-4D97-AF65-F5344CB8AC3E}">
-        <p14:creationId xmlns:p14="http://schemas.microsoft.com/office/powerpoint/2010/main" val="1500829347"/>
-      </p:ext>
-    </p:extLst>
-  </p:cSld>
-  <p:clrMapOvr>
-    <a:masterClrMapping/>
-  </p:clrMapOvr>
-</p:sld>
-</file>
-
-<file path=ppt/slides/slide15.xml><?xml version="1.0" encoding="utf-8"?>
-<p:sld xmlns:a="http://schemas.openxmlformats.org/drawingml/2006/main" xmlns:r="http://schemas.openxmlformats.org/officeDocument/2006/relationships" xmlns:p="http://schemas.openxmlformats.org/presentationml/2006/main">
-  <p:cSld>
-    <p:spTree>
-      <p:nvGrpSpPr>
-        <p:cNvPr id="1" name=""/>
-        <p:cNvGrpSpPr/>
-        <p:nvPr/>
-      </p:nvGrpSpPr>
-      <p:grpSpPr>
-        <a:xfrm>
-          <a:off x="0" y="0"/>
-          <a:ext cx="0" cy="0"/>
-          <a:chOff x="0" y="0"/>
-          <a:chExt cx="0" cy="0"/>
-        </a:xfrm>
-      </p:grpSpPr>
-      <p:pic>
-        <p:nvPicPr>
-          <p:cNvPr id="4" name="Picture 3">
-            <a:extLst>
-              <a:ext uri="{FF2B5EF4-FFF2-40B4-BE49-F238E27FC236}">
-                <a16:creationId xmlns:a16="http://schemas.microsoft.com/office/drawing/2014/main" id="{E2B83DA8-41CB-CF21-88BB-1DBD1C8CD12C}"/>
-              </a:ext>
-            </a:extLst>
-          </p:cNvPr>
-          <p:cNvPicPr>
-            <a:picLocks noChangeAspect="1"/>
-          </p:cNvPicPr>
-          <p:nvPr/>
-        </p:nvPicPr>
-        <p:blipFill>
-          <a:blip r:embed="rId2"/>
-          <a:stretch>
-            <a:fillRect/>
-          </a:stretch>
-        </p:blipFill>
-        <p:spPr>
-          <a:xfrm>
-            <a:off x="0" y="0"/>
-            <a:ext cx="12192000" cy="6858000"/>
-          </a:xfrm>
-          <a:prstGeom prst="rect">
-            <a:avLst/>
-          </a:prstGeom>
-        </p:spPr>
-      </p:pic>
-    </p:spTree>
-    <p:extLst>
-      <p:ext uri="{BB962C8B-B14F-4D97-AF65-F5344CB8AC3E}">
-        <p14:creationId xmlns:p14="http://schemas.microsoft.com/office/powerpoint/2010/main" val="3389915976"/>
-      </p:ext>
-    </p:extLst>
-  </p:cSld>
-  <p:clrMapOvr>
-    <a:masterClrMapping/>
-  </p:clrMapOvr>
-</p:sld>
-</file>
-
-<file path=ppt/slides/slide16.xml><?xml version="1.0" encoding="utf-8"?>
-<p:sld xmlns:a="http://schemas.openxmlformats.org/drawingml/2006/main" xmlns:r="http://schemas.openxmlformats.org/officeDocument/2006/relationships" xmlns:p="http://schemas.openxmlformats.org/presentationml/2006/main">
-  <p:cSld>
-    <p:spTree>
-      <p:nvGrpSpPr>
-        <p:cNvPr id="1" name=""/>
-        <p:cNvGrpSpPr/>
-        <p:nvPr/>
-      </p:nvGrpSpPr>
-      <p:grpSpPr>
-        <a:xfrm>
-          <a:off x="0" y="0"/>
-          <a:ext cx="0" cy="0"/>
-          <a:chOff x="0" y="0"/>
-          <a:chExt cx="0" cy="0"/>
-        </a:xfrm>
-      </p:grpSpPr>
-      <p:pic>
-        <p:nvPicPr>
-          <p:cNvPr id="3" name="Picture 2">
-            <a:extLst>
-              <a:ext uri="{FF2B5EF4-FFF2-40B4-BE49-F238E27FC236}">
-                <a16:creationId xmlns:a16="http://schemas.microsoft.com/office/drawing/2014/main" id="{D3DC7D80-3D37-27DF-4AB8-0C3F47B23194}"/>
-              </a:ext>
-            </a:extLst>
-          </p:cNvPr>
-          <p:cNvPicPr>
-            <a:picLocks noChangeAspect="1"/>
-          </p:cNvPicPr>
-          <p:nvPr/>
-        </p:nvPicPr>
-        <p:blipFill>
-          <a:blip r:embed="rId2"/>
-          <a:stretch>
-            <a:fillRect/>
-          </a:stretch>
-        </p:blipFill>
-        <p:spPr>
-          <a:xfrm>
-            <a:off x="0" y="0"/>
-            <a:ext cx="12192000" cy="6858000"/>
-          </a:xfrm>
-          <a:prstGeom prst="rect">
-            <a:avLst/>
-          </a:prstGeom>
-        </p:spPr>
-      </p:pic>
-    </p:spTree>
-    <p:extLst>
-      <p:ext uri="{BB962C8B-B14F-4D97-AF65-F5344CB8AC3E}">
-        <p14:creationId xmlns:p14="http://schemas.microsoft.com/office/powerpoint/2010/main" val="1025873016"/>
-      </p:ext>
-    </p:extLst>
-  </p:cSld>
-  <p:clrMapOvr>
-    <a:masterClrMapping/>
-  </p:clrMapOvr>
-</p:sld>
-</file>
-
-<file path=ppt/slides/slide17.xml><?xml version="1.0" encoding="utf-8"?>
-<p:sld xmlns:a="http://schemas.openxmlformats.org/drawingml/2006/main" xmlns:r="http://schemas.openxmlformats.org/officeDocument/2006/relationships" xmlns:p="http://schemas.openxmlformats.org/presentationml/2006/main">
-  <p:cSld>
-    <p:spTree>
-      <p:nvGrpSpPr>
-        <p:cNvPr id="1" name=""/>
-        <p:cNvGrpSpPr/>
-        <p:nvPr/>
-      </p:nvGrpSpPr>
-      <p:grpSpPr>
-        <a:xfrm>
-          <a:off x="0" y="0"/>
-          <a:ext cx="0" cy="0"/>
-          <a:chOff x="0" y="0"/>
-          <a:chExt cx="0" cy="0"/>
-        </a:xfrm>
-      </p:grpSpPr>
-      <p:pic>
-        <p:nvPicPr>
-          <p:cNvPr id="4" name="Picture 3">
-            <a:extLst>
-              <a:ext uri="{FF2B5EF4-FFF2-40B4-BE49-F238E27FC236}">
-                <a16:creationId xmlns:a16="http://schemas.microsoft.com/office/drawing/2014/main" id="{EC571D9E-A874-9AC0-31AB-088B9A94A1B3}"/>
-              </a:ext>
-            </a:extLst>
-          </p:cNvPr>
-          <p:cNvPicPr>
-            <a:picLocks noChangeAspect="1"/>
-          </p:cNvPicPr>
-          <p:nvPr/>
-        </p:nvPicPr>
-        <p:blipFill>
-          <a:blip r:embed="rId2"/>
-          <a:stretch>
-            <a:fillRect/>
-          </a:stretch>
-        </p:blipFill>
-        <p:spPr>
-          <a:xfrm>
-            <a:off x="0" y="0"/>
-            <a:ext cx="12192000" cy="6858000"/>
-          </a:xfrm>
-          <a:prstGeom prst="rect">
-            <a:avLst/>
-          </a:prstGeom>
-        </p:spPr>
-      </p:pic>
-    </p:spTree>
-    <p:extLst>
-      <p:ext uri="{BB962C8B-B14F-4D97-AF65-F5344CB8AC3E}">
-        <p14:creationId xmlns:p14="http://schemas.microsoft.com/office/powerpoint/2010/main" val="553350866"/>
-      </p:ext>
-    </p:extLst>
-  </p:cSld>
-  <p:clrMapOvr>
-    <a:masterClrMapping/>
-  </p:clrMapOvr>
-</p:sld>
-</file>
-
-<file path=ppt/slides/slide18.xml><?xml version="1.0" encoding="utf-8"?>
-<p:sld xmlns:a="http://schemas.openxmlformats.org/drawingml/2006/main" xmlns:r="http://schemas.openxmlformats.org/officeDocument/2006/relationships" xmlns:p="http://schemas.openxmlformats.org/presentationml/2006/main">
-  <p:cSld>
-    <p:spTree>
-      <p:nvGrpSpPr>
-        <p:cNvPr id="1" name=""/>
-        <p:cNvGrpSpPr/>
-        <p:nvPr/>
-      </p:nvGrpSpPr>
-      <p:grpSpPr>
-        <a:xfrm>
-          <a:off x="0" y="0"/>
-          <a:ext cx="0" cy="0"/>
-          <a:chOff x="0" y="0"/>
-          <a:chExt cx="0" cy="0"/>
-        </a:xfrm>
-      </p:grpSpPr>
-      <p:pic>
-        <p:nvPicPr>
-          <p:cNvPr id="3" name="Picture 2">
-            <a:extLst>
-              <a:ext uri="{FF2B5EF4-FFF2-40B4-BE49-F238E27FC236}">
-                <a16:creationId xmlns:a16="http://schemas.microsoft.com/office/drawing/2014/main" id="{BD8D1C88-87B2-07B1-7E32-D1C9D2D9792F}"/>
-              </a:ext>
-            </a:extLst>
-          </p:cNvPr>
-          <p:cNvPicPr>
-            <a:picLocks noChangeAspect="1"/>
-          </p:cNvPicPr>
-          <p:nvPr/>
-        </p:nvPicPr>
-        <p:blipFill>
-          <a:blip r:embed="rId2"/>
-          <a:stretch>
-            <a:fillRect/>
-          </a:stretch>
-        </p:blipFill>
-        <p:spPr>
-          <a:xfrm>
-            <a:off x="0" y="0"/>
-            <a:ext cx="12192000" cy="6858000"/>
-          </a:xfrm>
-          <a:prstGeom prst="rect">
-            <a:avLst/>
-          </a:prstGeom>
-        </p:spPr>
-      </p:pic>
-    </p:spTree>
-    <p:extLst>
-      <p:ext uri="{BB962C8B-B14F-4D97-AF65-F5344CB8AC3E}">
-        <p14:creationId xmlns:p14="http://schemas.microsoft.com/office/powerpoint/2010/main" val="1483443370"/>
-      </p:ext>
-    </p:extLst>
-  </p:cSld>
-  <p:clrMapOvr>
-    <a:masterClrMapping/>
-  </p:clrMapOvr>
-</p:sld>
-</file>
-
-<file path=ppt/slides/slide2.xml><?xml version="1.0" encoding="utf-8"?>
-<p:sld xmlns:a="http://schemas.openxmlformats.org/drawingml/2006/main" xmlns:r="http://schemas.openxmlformats.org/officeDocument/2006/relationships" xmlns:p="http://schemas.openxmlformats.org/presentationml/2006/main">
-  <p:cSld>
-    <p:spTree>
-      <p:nvGrpSpPr>
-        <p:cNvPr id="1" name=""/>
-        <p:cNvGrpSpPr/>
-        <p:nvPr/>
-      </p:nvGrpSpPr>
-      <p:grpSpPr>
-        <a:xfrm>
-          <a:off x="0" y="0"/>
-          <a:ext cx="0" cy="0"/>
-          <a:chOff x="0" y="0"/>
-          <a:chExt cx="0" cy="0"/>
-        </a:xfrm>
-      </p:grpSpPr>
-      <p:sp>
-        <p:nvSpPr>
-          <p:cNvPr id="2" name="Title 1">
-            <a:extLst>
-              <a:ext uri="{FF2B5EF4-FFF2-40B4-BE49-F238E27FC236}">
-                <a16:creationId xmlns:a16="http://schemas.microsoft.com/office/drawing/2014/main" id="{5E562972-3449-42D1-8185-B4BEFD52AB44}"/>
-              </a:ext>
-            </a:extLst>
-          </p:cNvPr>
-          <p:cNvSpPr>
-            <a:spLocks noGrp="1"/>
-          </p:cNvSpPr>
-          <p:nvPr>
-            <p:ph type="title"/>
-          </p:nvPr>
-        </p:nvSpPr>
-        <p:spPr/>
-        <p:txBody>
-          <a:bodyPr/>
-          <a:lstStyle/>
-          <a:p>
-            <a:r>
-              <a:rPr lang="en-US" dirty="0"/>
-              <a:t>What is a graph database?</a:t>
-            </a:r>
-          </a:p>
-        </p:txBody>
-      </p:sp>
-      <p:graphicFrame>
-        <p:nvGraphicFramePr>
-          <p:cNvPr id="6" name="Content Placeholder 5">
-            <a:extLst>
-              <a:ext uri="{FF2B5EF4-FFF2-40B4-BE49-F238E27FC236}">
-                <a16:creationId xmlns:a16="http://schemas.microsoft.com/office/drawing/2014/main" id="{7E9F011D-57D1-79D3-A656-D73E446A10C3}"/>
-              </a:ext>
-            </a:extLst>
-          </p:cNvPr>
-          <p:cNvGraphicFramePr>
-            <a:graphicFrameLocks noGrp="1"/>
-          </p:cNvGraphicFramePr>
-          <p:nvPr>
-            <p:ph idx="1"/>
-            <p:extLst>
-              <p:ext uri="{D42A27DB-BD31-4B8C-83A1-F6EECF244321}">
-                <p14:modId xmlns:p14="http://schemas.microsoft.com/office/powerpoint/2010/main" val="3328699708"/>
-              </p:ext>
-            </p:extLst>
-          </p:nvPr>
-        </p:nvGraphicFramePr>
-        <p:xfrm>
-          <a:off x="581025" y="2341563"/>
-          <a:ext cx="11029950" cy="3633787"/>
-        </p:xfrm>
-        <a:graphic>
-          <a:graphicData uri="http://schemas.openxmlformats.org/drawingml/2006/diagram">
-            <dgm:relIds xmlns:dgm="http://schemas.openxmlformats.org/drawingml/2006/diagram" xmlns:r="http://schemas.openxmlformats.org/officeDocument/2006/relationships" r:dm="rId2" r:lo="rId3" r:qs="rId4" r:cs="rId5"/>
-          </a:graphicData>
-        </a:graphic>
-      </p:graphicFrame>
-    </p:spTree>
-    <p:extLst>
-      <p:ext uri="{BB962C8B-B14F-4D97-AF65-F5344CB8AC3E}">
-        <p14:creationId xmlns:p14="http://schemas.microsoft.com/office/powerpoint/2010/main" val="263784652"/>
-      </p:ext>
-    </p:extLst>
-  </p:cSld>
-  <p:clrMapOvr>
-    <a:masterClrMapping/>
-  </p:clrMapOvr>
-</p:sld>
-</file>
-
-<file path=ppt/slides/slide3.xml><?xml version="1.0" encoding="utf-8"?>
-<p:sld xmlns:a="http://schemas.openxmlformats.org/drawingml/2006/main" xmlns:r="http://schemas.openxmlformats.org/officeDocument/2006/relationships" xmlns:p="http://schemas.openxmlformats.org/presentationml/2006/main">
-  <p:cSld>
-    <p:spTree>
-      <p:nvGrpSpPr>
-        <p:cNvPr id="1" name=""/>
-        <p:cNvGrpSpPr/>
-        <p:nvPr/>
-      </p:nvGrpSpPr>
-      <p:grpSpPr>
-        <a:xfrm>
-          <a:off x="0" y="0"/>
-          <a:ext cx="0" cy="0"/>
-          <a:chOff x="0" y="0"/>
-          <a:chExt cx="0" cy="0"/>
-        </a:xfrm>
-      </p:grpSpPr>
       <p:sp>
         <p:nvSpPr>
           <p:cNvPr id="2" name="Title 1">
@@ -7751,7 +7262,7 @@
           </p:nvPr>
         </p:nvPicPr>
         <p:blipFill>
-          <a:blip r:embed="rId3">
+          <a:blip r:embed="rId2">
             <a:extLst>
               <a:ext uri="{28A0092B-C50C-407E-A947-70E740481C1C}">
                 <a14:useLocalDpi xmlns:a14="http://schemas.microsoft.com/office/drawing/2010/main" val="0"/>
@@ -7783,6 +7294,36 @@
           </a:extLst>
         </p:spPr>
       </p:pic>
+      <p:pic>
+        <p:nvPicPr>
+          <p:cNvPr id="3" name="Picture 2">
+            <a:extLst>
+              <a:ext uri="{FF2B5EF4-FFF2-40B4-BE49-F238E27FC236}">
+                <a16:creationId xmlns:a16="http://schemas.microsoft.com/office/drawing/2014/main" id="{D6126E4F-91F1-E6D0-F4D1-431E7400E07A}"/>
+              </a:ext>
+            </a:extLst>
+          </p:cNvPr>
+          <p:cNvPicPr>
+            <a:picLocks noChangeAspect="1"/>
+          </p:cNvPicPr>
+          <p:nvPr/>
+        </p:nvPicPr>
+        <p:blipFill>
+          <a:blip r:embed="rId3"/>
+          <a:stretch>
+            <a:fillRect/>
+          </a:stretch>
+        </p:blipFill>
+        <p:spPr>
+          <a:xfrm>
+            <a:off x="11295529" y="0"/>
+            <a:ext cx="896471" cy="459441"/>
+          </a:xfrm>
+          <a:prstGeom prst="rect">
+            <a:avLst/>
+          </a:prstGeom>
+        </p:spPr>
+      </p:pic>
     </p:spTree>
     <p:extLst>
       <p:ext uri="{BB962C8B-B14F-4D97-AF65-F5344CB8AC3E}">
@@ -7796,7 +7337,7 @@
 </p:sld>
 </file>
 
-<file path=ppt/slides/slide4.xml><?xml version="1.0" encoding="utf-8"?>
+<file path=ppt/slides/slide11.xml><?xml version="1.0" encoding="utf-8"?>
 <p:sld xmlns:a="http://schemas.openxmlformats.org/drawingml/2006/main" xmlns:r="http://schemas.openxmlformats.org/officeDocument/2006/relationships" xmlns:p="http://schemas.openxmlformats.org/presentationml/2006/main">
   <p:cSld>
     <p:spTree>
@@ -7962,6 +7503,36 @@
           </a:p>
         </p:txBody>
       </p:sp>
+      <p:pic>
+        <p:nvPicPr>
+          <p:cNvPr id="3" name="Picture 2">
+            <a:extLst>
+              <a:ext uri="{FF2B5EF4-FFF2-40B4-BE49-F238E27FC236}">
+                <a16:creationId xmlns:a16="http://schemas.microsoft.com/office/drawing/2014/main" id="{647FB8FC-1DE6-F137-5948-F6BFAA91387D}"/>
+              </a:ext>
+            </a:extLst>
+          </p:cNvPr>
+          <p:cNvPicPr>
+            <a:picLocks noChangeAspect="1"/>
+          </p:cNvPicPr>
+          <p:nvPr/>
+        </p:nvPicPr>
+        <p:blipFill>
+          <a:blip r:embed="rId4"/>
+          <a:stretch>
+            <a:fillRect/>
+          </a:stretch>
+        </p:blipFill>
+        <p:spPr>
+          <a:xfrm>
+            <a:off x="11295529" y="0"/>
+            <a:ext cx="896471" cy="459441"/>
+          </a:xfrm>
+          <a:prstGeom prst="rect">
+            <a:avLst/>
+          </a:prstGeom>
+        </p:spPr>
+      </p:pic>
     </p:spTree>
     <p:extLst>
       <p:ext uri="{BB962C8B-B14F-4D97-AF65-F5344CB8AC3E}">
@@ -7975,7 +7546,7 @@
 </p:sld>
 </file>
 
-<file path=ppt/slides/slide5.xml><?xml version="1.0" encoding="utf-8"?>
+<file path=ppt/slides/slide12.xml><?xml version="1.0" encoding="utf-8"?>
 <p:sld xmlns:a="http://schemas.openxmlformats.org/drawingml/2006/main" xmlns:r="http://schemas.openxmlformats.org/officeDocument/2006/relationships" xmlns:p="http://schemas.openxmlformats.org/presentationml/2006/main">
   <p:cSld>
     <p:spTree>
@@ -8015,7 +7586,7 @@
           <a:p>
             <a:r>
               <a:rPr lang="en-IN" dirty="0"/>
-              <a:t>Features of Neo4j</a:t>
+              <a:t>OVERVIEW of Neo4j ECOSYSTEM</a:t>
             </a:r>
           </a:p>
         </p:txBody>
@@ -8052,6 +7623,36 @@
           </a:prstGeom>
         </p:spPr>
       </p:pic>
+      <p:pic>
+        <p:nvPicPr>
+          <p:cNvPr id="3" name="Picture 2">
+            <a:extLst>
+              <a:ext uri="{FF2B5EF4-FFF2-40B4-BE49-F238E27FC236}">
+                <a16:creationId xmlns:a16="http://schemas.microsoft.com/office/drawing/2014/main" id="{95A27CAD-95C9-2DF8-FE7B-B05EFCEC3530}"/>
+              </a:ext>
+            </a:extLst>
+          </p:cNvPr>
+          <p:cNvPicPr>
+            <a:picLocks noChangeAspect="1"/>
+          </p:cNvPicPr>
+          <p:nvPr/>
+        </p:nvPicPr>
+        <p:blipFill>
+          <a:blip r:embed="rId3"/>
+          <a:stretch>
+            <a:fillRect/>
+          </a:stretch>
+        </p:blipFill>
+        <p:spPr>
+          <a:xfrm>
+            <a:off x="11295529" y="0"/>
+            <a:ext cx="896471" cy="459441"/>
+          </a:xfrm>
+          <a:prstGeom prst="rect">
+            <a:avLst/>
+          </a:prstGeom>
+        </p:spPr>
+      </p:pic>
     </p:spTree>
     <p:extLst>
       <p:ext uri="{BB962C8B-B14F-4D97-AF65-F5344CB8AC3E}">
@@ -8065,7 +7666,7 @@
 </p:sld>
 </file>
 
-<file path=ppt/slides/slide6.xml><?xml version="1.0" encoding="utf-8"?>
+<file path=ppt/slides/slide13.xml><?xml version="1.0" encoding="utf-8"?>
 <p:sld xmlns:a="http://schemas.openxmlformats.org/drawingml/2006/main" xmlns:r="http://schemas.openxmlformats.org/officeDocument/2006/relationships" xmlns:p="http://schemas.openxmlformats.org/presentationml/2006/main">
   <p:cSld>
     <p:spTree>
@@ -8533,6 +8134,36 @@
           </a:prstGeom>
         </p:spPr>
       </p:pic>
+      <p:pic>
+        <p:nvPicPr>
+          <p:cNvPr id="2" name="Picture 1">
+            <a:extLst>
+              <a:ext uri="{FF2B5EF4-FFF2-40B4-BE49-F238E27FC236}">
+                <a16:creationId xmlns:a16="http://schemas.microsoft.com/office/drawing/2014/main" id="{706B875E-6AD0-A5E9-B3D8-36B70091EFE0}"/>
+              </a:ext>
+            </a:extLst>
+          </p:cNvPr>
+          <p:cNvPicPr>
+            <a:picLocks noChangeAspect="1"/>
+          </p:cNvPicPr>
+          <p:nvPr/>
+        </p:nvPicPr>
+        <p:blipFill>
+          <a:blip r:embed="rId6"/>
+          <a:stretch>
+            <a:fillRect/>
+          </a:stretch>
+        </p:blipFill>
+        <p:spPr>
+          <a:xfrm>
+            <a:off x="11295529" y="0"/>
+            <a:ext cx="896471" cy="459441"/>
+          </a:xfrm>
+          <a:prstGeom prst="rect">
+            <a:avLst/>
+          </a:prstGeom>
+        </p:spPr>
+      </p:pic>
     </p:spTree>
     <p:extLst>
       <p:ext uri="{BB962C8B-B14F-4D97-AF65-F5344CB8AC3E}">
@@ -8546,168 +8177,7 @@
 </p:sld>
 </file>
 
-<file path=ppt/slides/slide7.xml><?xml version="1.0" encoding="utf-8"?>
-<p:sld xmlns:a="http://schemas.openxmlformats.org/drawingml/2006/main" xmlns:r="http://schemas.openxmlformats.org/officeDocument/2006/relationships" xmlns:p="http://schemas.openxmlformats.org/presentationml/2006/main">
-  <p:cSld>
-    <p:spTree>
-      <p:nvGrpSpPr>
-        <p:cNvPr id="1" name=""/>
-        <p:cNvGrpSpPr/>
-        <p:nvPr/>
-      </p:nvGrpSpPr>
-      <p:grpSpPr>
-        <a:xfrm>
-          <a:off x="0" y="0"/>
-          <a:ext cx="0" cy="0"/>
-          <a:chOff x="0" y="0"/>
-          <a:chExt cx="0" cy="0"/>
-        </a:xfrm>
-      </p:grpSpPr>
-      <p:sp>
-        <p:nvSpPr>
-          <p:cNvPr id="2" name="Title 1">
-            <a:extLst>
-              <a:ext uri="{FF2B5EF4-FFF2-40B4-BE49-F238E27FC236}">
-                <a16:creationId xmlns:a16="http://schemas.microsoft.com/office/drawing/2014/main" id="{366D0CE3-DDDE-AEAC-332F-1EB999ABE885}"/>
-              </a:ext>
-            </a:extLst>
-          </p:cNvPr>
-          <p:cNvSpPr>
-            <a:spLocks noGrp="1"/>
-          </p:cNvSpPr>
-          <p:nvPr>
-            <p:ph type="title"/>
-          </p:nvPr>
-        </p:nvSpPr>
-        <p:spPr/>
-        <p:txBody>
-          <a:bodyPr/>
-          <a:lstStyle/>
-          <a:p>
-            <a:r>
-              <a:rPr lang="en-IN" dirty="0"/>
-              <a:t>Use cases for Neo4j</a:t>
-            </a:r>
-          </a:p>
-        </p:txBody>
-      </p:sp>
-      <p:sp>
-        <p:nvSpPr>
-          <p:cNvPr id="3" name="Content Placeholder 2">
-            <a:extLst>
-              <a:ext uri="{FF2B5EF4-FFF2-40B4-BE49-F238E27FC236}">
-                <a16:creationId xmlns:a16="http://schemas.microsoft.com/office/drawing/2014/main" id="{AEEF5CB4-A792-204C-C67F-D7B6744DB47E}"/>
-              </a:ext>
-            </a:extLst>
-          </p:cNvPr>
-          <p:cNvSpPr>
-            <a:spLocks noGrp="1"/>
-          </p:cNvSpPr>
-          <p:nvPr>
-            <p:ph idx="1"/>
-          </p:nvPr>
-        </p:nvSpPr>
-        <p:spPr/>
-        <p:txBody>
-          <a:bodyPr>
-            <a:normAutofit/>
-          </a:bodyPr>
-          <a:lstStyle/>
-          <a:p>
-            <a:pPr>
-              <a:lnSpc>
-                <a:spcPct val="100000"/>
-              </a:lnSpc>
-              <a:buFont typeface="Wingdings" panose="05000000000000000000" pitchFamily="2" charset="2"/>
-              <a:buChar char="Ø"/>
-            </a:pPr>
-            <a:r>
-              <a:rPr lang="en-US" sz="2400" dirty="0"/>
-              <a:t>Fraud detection</a:t>
-            </a:r>
-          </a:p>
-          <a:p>
-            <a:pPr>
-              <a:lnSpc>
-                <a:spcPct val="100000"/>
-              </a:lnSpc>
-              <a:buFont typeface="Wingdings" panose="05000000000000000000" pitchFamily="2" charset="2"/>
-              <a:buChar char="Ø"/>
-            </a:pPr>
-            <a:r>
-              <a:rPr lang="en-US" sz="2400" dirty="0"/>
-              <a:t>Social network analysis</a:t>
-            </a:r>
-          </a:p>
-          <a:p>
-            <a:pPr>
-              <a:lnSpc>
-                <a:spcPct val="100000"/>
-              </a:lnSpc>
-              <a:buFont typeface="Wingdings" panose="05000000000000000000" pitchFamily="2" charset="2"/>
-              <a:buChar char="Ø"/>
-            </a:pPr>
-            <a:r>
-              <a:rPr lang="en-US" sz="2400" dirty="0"/>
-              <a:t>Recommendation engines</a:t>
-            </a:r>
-          </a:p>
-          <a:p>
-            <a:pPr>
-              <a:lnSpc>
-                <a:spcPct val="100000"/>
-              </a:lnSpc>
-              <a:buFont typeface="Wingdings" panose="05000000000000000000" pitchFamily="2" charset="2"/>
-              <a:buChar char="Ø"/>
-            </a:pPr>
-            <a:r>
-              <a:rPr lang="en-US" sz="2400" dirty="0"/>
-              <a:t>Knowledge graphs</a:t>
-            </a:r>
-          </a:p>
-          <a:p>
-            <a:pPr>
-              <a:lnSpc>
-                <a:spcPct val="100000"/>
-              </a:lnSpc>
-              <a:buFont typeface="Wingdings" panose="05000000000000000000" pitchFamily="2" charset="2"/>
-              <a:buChar char="Ø"/>
-            </a:pPr>
-            <a:r>
-              <a:rPr lang="en-US" sz="2400" dirty="0"/>
-              <a:t>Supply chain management</a:t>
-            </a:r>
-          </a:p>
-          <a:p>
-            <a:pPr>
-              <a:lnSpc>
-                <a:spcPct val="100000"/>
-              </a:lnSpc>
-              <a:buFont typeface="Wingdings" panose="05000000000000000000" pitchFamily="2" charset="2"/>
-              <a:buChar char="Ø"/>
-            </a:pPr>
-            <a:r>
-              <a:rPr lang="en-US" sz="2400" dirty="0"/>
-              <a:t>Transportation logistics</a:t>
-            </a:r>
-            <a:endParaRPr lang="en-IN" sz="2400" dirty="0"/>
-          </a:p>
-        </p:txBody>
-      </p:sp>
-    </p:spTree>
-    <p:extLst>
-      <p:ext uri="{BB962C8B-B14F-4D97-AF65-F5344CB8AC3E}">
-        <p14:creationId xmlns:p14="http://schemas.microsoft.com/office/powerpoint/2010/main" val="1814659263"/>
-      </p:ext>
-    </p:extLst>
-  </p:cSld>
-  <p:clrMapOvr>
-    <a:masterClrMapping/>
-  </p:clrMapOvr>
-</p:sld>
-</file>
-
-<file path=ppt/slides/slide8.xml><?xml version="1.0" encoding="utf-8"?>
+<file path=ppt/slides/slide14.xml><?xml version="1.0" encoding="utf-8"?>
 <p:sld xmlns:a="http://schemas.openxmlformats.org/drawingml/2006/main" xmlns:r="http://schemas.openxmlformats.org/officeDocument/2006/relationships" xmlns:p="http://schemas.openxmlformats.org/presentationml/2006/main">
   <p:cSld>
     <p:spTree>
@@ -8937,6 +8407,36 @@
           </a:prstGeom>
         </p:spPr>
       </p:pic>
+      <p:pic>
+        <p:nvPicPr>
+          <p:cNvPr id="3" name="Picture 2">
+            <a:extLst>
+              <a:ext uri="{FF2B5EF4-FFF2-40B4-BE49-F238E27FC236}">
+                <a16:creationId xmlns:a16="http://schemas.microsoft.com/office/drawing/2014/main" id="{20C026C9-A5DF-9F0B-6B4C-D4B6A5B6312C}"/>
+              </a:ext>
+            </a:extLst>
+          </p:cNvPr>
+          <p:cNvPicPr>
+            <a:picLocks noChangeAspect="1"/>
+          </p:cNvPicPr>
+          <p:nvPr/>
+        </p:nvPicPr>
+        <p:blipFill>
+          <a:blip r:embed="rId12"/>
+          <a:stretch>
+            <a:fillRect/>
+          </a:stretch>
+        </p:blipFill>
+        <p:spPr>
+          <a:xfrm>
+            <a:off x="11295529" y="0"/>
+            <a:ext cx="896471" cy="459441"/>
+          </a:xfrm>
+          <a:prstGeom prst="rect">
+            <a:avLst/>
+          </a:prstGeom>
+        </p:spPr>
+      </p:pic>
     </p:spTree>
     <p:extLst>
       <p:ext uri="{BB962C8B-B14F-4D97-AF65-F5344CB8AC3E}">
@@ -8950,7 +8450,7 @@
 </p:sld>
 </file>
 
-<file path=ppt/slides/slide9.xml><?xml version="1.0" encoding="utf-8"?>
+<file path=ppt/slides/slide15.xml><?xml version="1.0" encoding="utf-8"?>
 <p:sld xmlns:a="http://schemas.openxmlformats.org/drawingml/2006/main" xmlns:r="http://schemas.openxmlformats.org/officeDocument/2006/relationships" xmlns:p="http://schemas.openxmlformats.org/presentationml/2006/main">
   <p:cSld>
     <p:spTree>
@@ -9061,10 +8561,2547 @@
           </a:prstGeom>
         </p:spPr>
       </p:pic>
+      <p:pic>
+        <p:nvPicPr>
+          <p:cNvPr id="3" name="Picture 2">
+            <a:extLst>
+              <a:ext uri="{FF2B5EF4-FFF2-40B4-BE49-F238E27FC236}">
+                <a16:creationId xmlns:a16="http://schemas.microsoft.com/office/drawing/2014/main" id="{54595F08-DBDD-461A-F689-0FF7A0376867}"/>
+              </a:ext>
+            </a:extLst>
+          </p:cNvPr>
+          <p:cNvPicPr>
+            <a:picLocks noChangeAspect="1"/>
+          </p:cNvPicPr>
+          <p:nvPr/>
+        </p:nvPicPr>
+        <p:blipFill>
+          <a:blip r:embed="rId3"/>
+          <a:stretch>
+            <a:fillRect/>
+          </a:stretch>
+        </p:blipFill>
+        <p:spPr>
+          <a:xfrm>
+            <a:off x="11295529" y="0"/>
+            <a:ext cx="896471" cy="459441"/>
+          </a:xfrm>
+          <a:prstGeom prst="rect">
+            <a:avLst/>
+          </a:prstGeom>
+        </p:spPr>
+      </p:pic>
     </p:spTree>
     <p:extLst>
       <p:ext uri="{BB962C8B-B14F-4D97-AF65-F5344CB8AC3E}">
         <p14:creationId xmlns:p14="http://schemas.microsoft.com/office/powerpoint/2010/main" val="1618279062"/>
+      </p:ext>
+    </p:extLst>
+  </p:cSld>
+  <p:clrMapOvr>
+    <a:masterClrMapping/>
+  </p:clrMapOvr>
+</p:sld>
+</file>
+
+<file path=ppt/slides/slide16.xml><?xml version="1.0" encoding="utf-8"?>
+<p:sld xmlns:a="http://schemas.openxmlformats.org/drawingml/2006/main" xmlns:r="http://schemas.openxmlformats.org/officeDocument/2006/relationships" xmlns:p="http://schemas.openxmlformats.org/presentationml/2006/main">
+  <p:cSld>
+    <p:spTree>
+      <p:nvGrpSpPr>
+        <p:cNvPr id="1" name=""/>
+        <p:cNvGrpSpPr/>
+        <p:nvPr/>
+      </p:nvGrpSpPr>
+      <p:grpSpPr>
+        <a:xfrm>
+          <a:off x="0" y="0"/>
+          <a:ext cx="0" cy="0"/>
+          <a:chOff x="0" y="0"/>
+          <a:chExt cx="0" cy="0"/>
+        </a:xfrm>
+      </p:grpSpPr>
+      <p:pic>
+        <p:nvPicPr>
+          <p:cNvPr id="3" name="Picture 2">
+            <a:extLst>
+              <a:ext uri="{FF2B5EF4-FFF2-40B4-BE49-F238E27FC236}">
+                <a16:creationId xmlns:a16="http://schemas.microsoft.com/office/drawing/2014/main" id="{BD8D1C88-87B2-07B1-7E32-D1C9D2D9792F}"/>
+              </a:ext>
+            </a:extLst>
+          </p:cNvPr>
+          <p:cNvPicPr>
+            <a:picLocks noChangeAspect="1"/>
+          </p:cNvPicPr>
+          <p:nvPr/>
+        </p:nvPicPr>
+        <p:blipFill>
+          <a:blip r:embed="rId2"/>
+          <a:stretch>
+            <a:fillRect/>
+          </a:stretch>
+        </p:blipFill>
+        <p:spPr>
+          <a:xfrm>
+            <a:off x="0" y="0"/>
+            <a:ext cx="12192000" cy="6858000"/>
+          </a:xfrm>
+          <a:prstGeom prst="rect">
+            <a:avLst/>
+          </a:prstGeom>
+        </p:spPr>
+      </p:pic>
+      <p:pic>
+        <p:nvPicPr>
+          <p:cNvPr id="2" name="Picture 1">
+            <a:extLst>
+              <a:ext uri="{FF2B5EF4-FFF2-40B4-BE49-F238E27FC236}">
+                <a16:creationId xmlns:a16="http://schemas.microsoft.com/office/drawing/2014/main" id="{CFA329EA-90D9-9574-6371-247F385E6634}"/>
+              </a:ext>
+            </a:extLst>
+          </p:cNvPr>
+          <p:cNvPicPr>
+            <a:picLocks noChangeAspect="1"/>
+          </p:cNvPicPr>
+          <p:nvPr/>
+        </p:nvPicPr>
+        <p:blipFill>
+          <a:blip r:embed="rId3"/>
+          <a:stretch>
+            <a:fillRect/>
+          </a:stretch>
+        </p:blipFill>
+        <p:spPr>
+          <a:xfrm>
+            <a:off x="11295529" y="0"/>
+            <a:ext cx="896471" cy="459441"/>
+          </a:xfrm>
+          <a:prstGeom prst="rect">
+            <a:avLst/>
+          </a:prstGeom>
+        </p:spPr>
+      </p:pic>
+    </p:spTree>
+    <p:extLst>
+      <p:ext uri="{BB962C8B-B14F-4D97-AF65-F5344CB8AC3E}">
+        <p14:creationId xmlns:p14="http://schemas.microsoft.com/office/powerpoint/2010/main" val="1483443370"/>
+      </p:ext>
+    </p:extLst>
+  </p:cSld>
+  <p:clrMapOvr>
+    <a:masterClrMapping/>
+  </p:clrMapOvr>
+</p:sld>
+</file>
+
+<file path=ppt/slides/slide17.xml><?xml version="1.0" encoding="utf-8"?>
+<p:sld xmlns:a="http://schemas.openxmlformats.org/drawingml/2006/main" xmlns:r="http://schemas.openxmlformats.org/officeDocument/2006/relationships" xmlns:p="http://schemas.openxmlformats.org/presentationml/2006/main">
+  <p:cSld>
+    <p:spTree>
+      <p:nvGrpSpPr>
+        <p:cNvPr id="1" name=""/>
+        <p:cNvGrpSpPr/>
+        <p:nvPr/>
+      </p:nvGrpSpPr>
+      <p:grpSpPr>
+        <a:xfrm>
+          <a:off x="0" y="0"/>
+          <a:ext cx="0" cy="0"/>
+          <a:chOff x="0" y="0"/>
+          <a:chExt cx="0" cy="0"/>
+        </a:xfrm>
+      </p:grpSpPr>
+      <p:pic>
+        <p:nvPicPr>
+          <p:cNvPr id="3" name="Picture 2">
+            <a:extLst>
+              <a:ext uri="{FF2B5EF4-FFF2-40B4-BE49-F238E27FC236}">
+                <a16:creationId xmlns:a16="http://schemas.microsoft.com/office/drawing/2014/main" id="{9856FD58-BAF7-9EB8-4B03-2752D70441BB}"/>
+              </a:ext>
+            </a:extLst>
+          </p:cNvPr>
+          <p:cNvPicPr>
+            <a:picLocks noChangeAspect="1"/>
+          </p:cNvPicPr>
+          <p:nvPr/>
+        </p:nvPicPr>
+        <p:blipFill>
+          <a:blip r:embed="rId2"/>
+          <a:stretch>
+            <a:fillRect/>
+          </a:stretch>
+        </p:blipFill>
+        <p:spPr>
+          <a:xfrm>
+            <a:off x="0" y="0"/>
+            <a:ext cx="12192000" cy="6858000"/>
+          </a:xfrm>
+          <a:prstGeom prst="rect">
+            <a:avLst/>
+          </a:prstGeom>
+        </p:spPr>
+      </p:pic>
+      <p:pic>
+        <p:nvPicPr>
+          <p:cNvPr id="2" name="Picture 1">
+            <a:extLst>
+              <a:ext uri="{FF2B5EF4-FFF2-40B4-BE49-F238E27FC236}">
+                <a16:creationId xmlns:a16="http://schemas.microsoft.com/office/drawing/2014/main" id="{84544B4C-18FA-DA79-DBE9-BF7AF2A99C78}"/>
+              </a:ext>
+            </a:extLst>
+          </p:cNvPr>
+          <p:cNvPicPr>
+            <a:picLocks noChangeAspect="1"/>
+          </p:cNvPicPr>
+          <p:nvPr/>
+        </p:nvPicPr>
+        <p:blipFill>
+          <a:blip r:embed="rId3"/>
+          <a:stretch>
+            <a:fillRect/>
+          </a:stretch>
+        </p:blipFill>
+        <p:spPr>
+          <a:xfrm>
+            <a:off x="11295529" y="0"/>
+            <a:ext cx="896471" cy="459441"/>
+          </a:xfrm>
+          <a:prstGeom prst="rect">
+            <a:avLst/>
+          </a:prstGeom>
+        </p:spPr>
+      </p:pic>
+    </p:spTree>
+    <p:extLst>
+      <p:ext uri="{BB962C8B-B14F-4D97-AF65-F5344CB8AC3E}">
+        <p14:creationId xmlns:p14="http://schemas.microsoft.com/office/powerpoint/2010/main" val="2037803964"/>
+      </p:ext>
+    </p:extLst>
+  </p:cSld>
+  <p:clrMapOvr>
+    <a:masterClrMapping/>
+  </p:clrMapOvr>
+</p:sld>
+</file>
+
+<file path=ppt/slides/slide18.xml><?xml version="1.0" encoding="utf-8"?>
+<p:sld xmlns:a="http://schemas.openxmlformats.org/drawingml/2006/main" xmlns:r="http://schemas.openxmlformats.org/officeDocument/2006/relationships" xmlns:p="http://schemas.openxmlformats.org/presentationml/2006/main">
+  <p:cSld>
+    <p:spTree>
+      <p:nvGrpSpPr>
+        <p:cNvPr id="1" name=""/>
+        <p:cNvGrpSpPr/>
+        <p:nvPr/>
+      </p:nvGrpSpPr>
+      <p:grpSpPr>
+        <a:xfrm>
+          <a:off x="0" y="0"/>
+          <a:ext cx="0" cy="0"/>
+          <a:chOff x="0" y="0"/>
+          <a:chExt cx="0" cy="0"/>
+        </a:xfrm>
+      </p:grpSpPr>
+      <p:pic>
+        <p:nvPicPr>
+          <p:cNvPr id="4" name="Picture 3">
+            <a:extLst>
+              <a:ext uri="{FF2B5EF4-FFF2-40B4-BE49-F238E27FC236}">
+                <a16:creationId xmlns:a16="http://schemas.microsoft.com/office/drawing/2014/main" id="{ABACAC2B-792F-D614-44AE-603419424E75}"/>
+              </a:ext>
+            </a:extLst>
+          </p:cNvPr>
+          <p:cNvPicPr>
+            <a:picLocks noChangeAspect="1"/>
+          </p:cNvPicPr>
+          <p:nvPr/>
+        </p:nvPicPr>
+        <p:blipFill>
+          <a:blip r:embed="rId2"/>
+          <a:stretch>
+            <a:fillRect/>
+          </a:stretch>
+        </p:blipFill>
+        <p:spPr>
+          <a:xfrm>
+            <a:off x="0" y="0"/>
+            <a:ext cx="12192000" cy="6858000"/>
+          </a:xfrm>
+          <a:prstGeom prst="rect">
+            <a:avLst/>
+          </a:prstGeom>
+        </p:spPr>
+      </p:pic>
+      <p:pic>
+        <p:nvPicPr>
+          <p:cNvPr id="2" name="Picture 1">
+            <a:extLst>
+              <a:ext uri="{FF2B5EF4-FFF2-40B4-BE49-F238E27FC236}">
+                <a16:creationId xmlns:a16="http://schemas.microsoft.com/office/drawing/2014/main" id="{3F3B233D-32C5-8442-8097-AFA32B790B6D}"/>
+              </a:ext>
+            </a:extLst>
+          </p:cNvPr>
+          <p:cNvPicPr>
+            <a:picLocks noChangeAspect="1"/>
+          </p:cNvPicPr>
+          <p:nvPr/>
+        </p:nvPicPr>
+        <p:blipFill>
+          <a:blip r:embed="rId3"/>
+          <a:stretch>
+            <a:fillRect/>
+          </a:stretch>
+        </p:blipFill>
+        <p:spPr>
+          <a:xfrm>
+            <a:off x="11295529" y="0"/>
+            <a:ext cx="896471" cy="459441"/>
+          </a:xfrm>
+          <a:prstGeom prst="rect">
+            <a:avLst/>
+          </a:prstGeom>
+        </p:spPr>
+      </p:pic>
+    </p:spTree>
+    <p:extLst>
+      <p:ext uri="{BB962C8B-B14F-4D97-AF65-F5344CB8AC3E}">
+        <p14:creationId xmlns:p14="http://schemas.microsoft.com/office/powerpoint/2010/main" val="177862992"/>
+      </p:ext>
+    </p:extLst>
+  </p:cSld>
+  <p:clrMapOvr>
+    <a:masterClrMapping/>
+  </p:clrMapOvr>
+</p:sld>
+</file>
+
+<file path=ppt/slides/slide19.xml><?xml version="1.0" encoding="utf-8"?>
+<p:sld xmlns:a="http://schemas.openxmlformats.org/drawingml/2006/main" xmlns:r="http://schemas.openxmlformats.org/officeDocument/2006/relationships" xmlns:p="http://schemas.openxmlformats.org/presentationml/2006/main">
+  <p:cSld>
+    <p:spTree>
+      <p:nvGrpSpPr>
+        <p:cNvPr id="1" name=""/>
+        <p:cNvGrpSpPr/>
+        <p:nvPr/>
+      </p:nvGrpSpPr>
+      <p:grpSpPr>
+        <a:xfrm>
+          <a:off x="0" y="0"/>
+          <a:ext cx="0" cy="0"/>
+          <a:chOff x="0" y="0"/>
+          <a:chExt cx="0" cy="0"/>
+        </a:xfrm>
+      </p:grpSpPr>
+      <p:pic>
+        <p:nvPicPr>
+          <p:cNvPr id="3" name="Picture 2">
+            <a:extLst>
+              <a:ext uri="{FF2B5EF4-FFF2-40B4-BE49-F238E27FC236}">
+                <a16:creationId xmlns:a16="http://schemas.microsoft.com/office/drawing/2014/main" id="{28C6174F-3829-7546-8488-B8131D0CE9BD}"/>
+              </a:ext>
+            </a:extLst>
+          </p:cNvPr>
+          <p:cNvPicPr>
+            <a:picLocks noChangeAspect="1"/>
+          </p:cNvPicPr>
+          <p:nvPr/>
+        </p:nvPicPr>
+        <p:blipFill>
+          <a:blip r:embed="rId2"/>
+          <a:stretch>
+            <a:fillRect/>
+          </a:stretch>
+        </p:blipFill>
+        <p:spPr>
+          <a:xfrm>
+            <a:off x="0" y="0"/>
+            <a:ext cx="12192000" cy="6858000"/>
+          </a:xfrm>
+          <a:prstGeom prst="rect">
+            <a:avLst/>
+          </a:prstGeom>
+        </p:spPr>
+      </p:pic>
+    </p:spTree>
+    <p:extLst>
+      <p:ext uri="{BB962C8B-B14F-4D97-AF65-F5344CB8AC3E}">
+        <p14:creationId xmlns:p14="http://schemas.microsoft.com/office/powerpoint/2010/main" val="1693563562"/>
+      </p:ext>
+    </p:extLst>
+  </p:cSld>
+  <p:clrMapOvr>
+    <a:masterClrMapping/>
+  </p:clrMapOvr>
+</p:sld>
+</file>
+
+<file path=ppt/slides/slide2.xml><?xml version="1.0" encoding="utf-8"?>
+<p:sld xmlns:a="http://schemas.openxmlformats.org/drawingml/2006/main" xmlns:r="http://schemas.openxmlformats.org/officeDocument/2006/relationships" xmlns:p="http://schemas.openxmlformats.org/presentationml/2006/main">
+  <p:cSld>
+    <p:spTree>
+      <p:nvGrpSpPr>
+        <p:cNvPr id="1" name=""/>
+        <p:cNvGrpSpPr/>
+        <p:nvPr/>
+      </p:nvGrpSpPr>
+      <p:grpSpPr>
+        <a:xfrm>
+          <a:off x="0" y="0"/>
+          <a:ext cx="0" cy="0"/>
+          <a:chOff x="0" y="0"/>
+          <a:chExt cx="0" cy="0"/>
+        </a:xfrm>
+      </p:grpSpPr>
+      <p:sp>
+        <p:nvSpPr>
+          <p:cNvPr id="2" name="Title 1">
+            <a:extLst>
+              <a:ext uri="{FF2B5EF4-FFF2-40B4-BE49-F238E27FC236}">
+                <a16:creationId xmlns:a16="http://schemas.microsoft.com/office/drawing/2014/main" id="{96CF9CAF-E291-C4BD-BDC8-4C680E51E610}"/>
+              </a:ext>
+            </a:extLst>
+          </p:cNvPr>
+          <p:cNvSpPr>
+            <a:spLocks noGrp="1"/>
+          </p:cNvSpPr>
+          <p:nvPr>
+            <p:ph type="title"/>
+          </p:nvPr>
+        </p:nvSpPr>
+        <p:spPr>
+          <a:xfrm>
+            <a:off x="581192" y="702156"/>
+            <a:ext cx="11029616" cy="499115"/>
+          </a:xfrm>
+        </p:spPr>
+        <p:txBody>
+          <a:bodyPr anchor="t">
+            <a:normAutofit fontScale="90000"/>
+          </a:bodyPr>
+          <a:lstStyle/>
+          <a:p>
+            <a:r>
+              <a:rPr lang="en-IN" dirty="0"/>
+              <a:t>Topics Covered</a:t>
+            </a:r>
+          </a:p>
+        </p:txBody>
+      </p:sp>
+      <p:sp>
+        <p:nvSpPr>
+          <p:cNvPr id="3" name="Content Placeholder 2">
+            <a:extLst>
+              <a:ext uri="{FF2B5EF4-FFF2-40B4-BE49-F238E27FC236}">
+                <a16:creationId xmlns:a16="http://schemas.microsoft.com/office/drawing/2014/main" id="{9E1DF92F-4B9B-76AD-EE6F-0677B4075209}"/>
+              </a:ext>
+            </a:extLst>
+          </p:cNvPr>
+          <p:cNvSpPr>
+            <a:spLocks noGrp="1"/>
+          </p:cNvSpPr>
+          <p:nvPr>
+            <p:ph idx="1"/>
+          </p:nvPr>
+        </p:nvSpPr>
+        <p:spPr>
+          <a:xfrm>
+            <a:off x="581192" y="1568824"/>
+            <a:ext cx="11029615" cy="4774079"/>
+          </a:xfrm>
+        </p:spPr>
+        <p:txBody>
+          <a:bodyPr>
+            <a:normAutofit/>
+          </a:bodyPr>
+          <a:lstStyle/>
+          <a:p>
+            <a:pPr>
+              <a:buFont typeface="Wingdings" panose="05000000000000000000" pitchFamily="2" charset="2"/>
+              <a:buChar char="Ø"/>
+            </a:pPr>
+            <a:r>
+              <a:rPr lang="en-IN" dirty="0"/>
+              <a:t>NeoDatis – </a:t>
+            </a:r>
+            <a:r>
+              <a:rPr lang="en-IN" dirty="0" err="1"/>
+              <a:t>Nixan</a:t>
+            </a:r>
+            <a:r>
+              <a:rPr lang="en-IN" dirty="0"/>
+              <a:t> Parmar</a:t>
+            </a:r>
+          </a:p>
+          <a:p>
+            <a:pPr lvl="1">
+              <a:buFont typeface="Wingdings" panose="05000000000000000000" pitchFamily="2" charset="2"/>
+              <a:buChar char="q"/>
+            </a:pPr>
+            <a:r>
+              <a:rPr lang="en-IN" dirty="0"/>
+              <a:t>What is NeoDatis ?</a:t>
+            </a:r>
+          </a:p>
+          <a:p>
+            <a:pPr lvl="1">
+              <a:buFont typeface="Wingdings" panose="05000000000000000000" pitchFamily="2" charset="2"/>
+              <a:buChar char="q"/>
+            </a:pPr>
+            <a:r>
+              <a:rPr lang="en-IN" dirty="0"/>
+              <a:t>Features – NeoDatis</a:t>
+            </a:r>
+          </a:p>
+          <a:p>
+            <a:pPr lvl="1">
+              <a:buFont typeface="Wingdings" panose="05000000000000000000" pitchFamily="2" charset="2"/>
+              <a:buChar char="q"/>
+            </a:pPr>
+            <a:r>
+              <a:rPr lang="en-IN" dirty="0"/>
+              <a:t>Benefits –NeoDatis</a:t>
+            </a:r>
+          </a:p>
+          <a:p>
+            <a:pPr lvl="1">
+              <a:buFont typeface="Wingdings" panose="05000000000000000000" pitchFamily="2" charset="2"/>
+              <a:buChar char="q"/>
+            </a:pPr>
+            <a:r>
+              <a:rPr lang="en-IN" dirty="0"/>
+              <a:t>Steps To Use NeoDatis In Your Project &amp; Simple Example</a:t>
+            </a:r>
+          </a:p>
+          <a:p>
+            <a:pPr>
+              <a:buFont typeface="Wingdings" panose="05000000000000000000" pitchFamily="2" charset="2"/>
+              <a:buChar char="Ø"/>
+            </a:pPr>
+            <a:r>
+              <a:rPr lang="en-IN" dirty="0"/>
+              <a:t>Neo4j –Tejasv Modi</a:t>
+            </a:r>
+          </a:p>
+          <a:p>
+            <a:pPr lvl="1">
+              <a:buFont typeface="Wingdings" panose="05000000000000000000" pitchFamily="2" charset="2"/>
+              <a:buChar char="q"/>
+            </a:pPr>
+            <a:r>
+              <a:rPr lang="en-IN" dirty="0"/>
+              <a:t>What is Graph Database ? , Why To Use It ?</a:t>
+            </a:r>
+          </a:p>
+          <a:p>
+            <a:pPr lvl="1">
+              <a:buFont typeface="Wingdings" panose="05000000000000000000" pitchFamily="2" charset="2"/>
+              <a:buChar char="q"/>
+            </a:pPr>
+            <a:r>
+              <a:rPr lang="en-IN" dirty="0"/>
+              <a:t>What is neo4j ?</a:t>
+            </a:r>
+          </a:p>
+          <a:p>
+            <a:pPr lvl="1">
+              <a:buFont typeface="Wingdings" panose="05000000000000000000" pitchFamily="2" charset="2"/>
+              <a:buChar char="q"/>
+            </a:pPr>
+            <a:r>
+              <a:rPr lang="en-IN" dirty="0"/>
+              <a:t>Overview of Ecosystem &amp; Features of neo4j.</a:t>
+            </a:r>
+          </a:p>
+          <a:p>
+            <a:pPr lvl="1">
+              <a:buFont typeface="Wingdings" panose="05000000000000000000" pitchFamily="2" charset="2"/>
+              <a:buChar char="q"/>
+            </a:pPr>
+            <a:r>
+              <a:rPr lang="en-IN" dirty="0"/>
+              <a:t>Products of neo4j.</a:t>
+            </a:r>
+          </a:p>
+          <a:p>
+            <a:pPr lvl="1">
+              <a:buFont typeface="Wingdings" panose="05000000000000000000" pitchFamily="2" charset="2"/>
+              <a:buChar char="q"/>
+            </a:pPr>
+            <a:r>
+              <a:rPr lang="en-IN" dirty="0"/>
+              <a:t>Organizations Which use neo4j.</a:t>
+            </a:r>
+          </a:p>
+          <a:p>
+            <a:pPr>
+              <a:buFont typeface="Wingdings" panose="05000000000000000000" pitchFamily="2" charset="2"/>
+              <a:buChar char="Ø"/>
+            </a:pPr>
+            <a:r>
+              <a:rPr lang="en-IN" dirty="0"/>
+              <a:t>Practical Demo –Smit Joshi</a:t>
+            </a:r>
+          </a:p>
+          <a:p>
+            <a:pPr lvl="1">
+              <a:buFont typeface="Wingdings" panose="05000000000000000000" pitchFamily="2" charset="2"/>
+              <a:buChar char="q"/>
+            </a:pPr>
+            <a:r>
+              <a:rPr lang="en-IN" dirty="0"/>
+              <a:t>How to Create, Update , Delete Nodes &amp; Relationships</a:t>
+            </a:r>
+          </a:p>
+          <a:p>
+            <a:pPr>
+              <a:buFont typeface="Wingdings" panose="05000000000000000000" pitchFamily="2" charset="2"/>
+              <a:buChar char="Ø"/>
+            </a:pPr>
+            <a:endParaRPr lang="en-IN" dirty="0"/>
+          </a:p>
+        </p:txBody>
+      </p:sp>
+      <p:pic>
+        <p:nvPicPr>
+          <p:cNvPr id="4" name="Picture 3">
+            <a:extLst>
+              <a:ext uri="{FF2B5EF4-FFF2-40B4-BE49-F238E27FC236}">
+                <a16:creationId xmlns:a16="http://schemas.microsoft.com/office/drawing/2014/main" id="{AFD86E0A-A23E-F376-574A-AED8EB5113A2}"/>
+              </a:ext>
+            </a:extLst>
+          </p:cNvPr>
+          <p:cNvPicPr>
+            <a:picLocks noChangeAspect="1"/>
+          </p:cNvPicPr>
+          <p:nvPr/>
+        </p:nvPicPr>
+        <p:blipFill>
+          <a:blip r:embed="rId2"/>
+          <a:stretch>
+            <a:fillRect/>
+          </a:stretch>
+        </p:blipFill>
+        <p:spPr>
+          <a:xfrm>
+            <a:off x="11295529" y="0"/>
+            <a:ext cx="896471" cy="459441"/>
+          </a:xfrm>
+          <a:prstGeom prst="rect">
+            <a:avLst/>
+          </a:prstGeom>
+        </p:spPr>
+      </p:pic>
+    </p:spTree>
+    <p:extLst>
+      <p:ext uri="{BB962C8B-B14F-4D97-AF65-F5344CB8AC3E}">
+        <p14:creationId xmlns:p14="http://schemas.microsoft.com/office/powerpoint/2010/main" val="83666378"/>
+      </p:ext>
+    </p:extLst>
+  </p:cSld>
+  <p:clrMapOvr>
+    <a:masterClrMapping/>
+  </p:clrMapOvr>
+</p:sld>
+</file>
+
+<file path=ppt/slides/slide20.xml><?xml version="1.0" encoding="utf-8"?>
+<p:sld xmlns:a="http://schemas.openxmlformats.org/drawingml/2006/main" xmlns:r="http://schemas.openxmlformats.org/officeDocument/2006/relationships" xmlns:p="http://schemas.openxmlformats.org/presentationml/2006/main">
+  <p:cSld>
+    <p:spTree>
+      <p:nvGrpSpPr>
+        <p:cNvPr id="1" name=""/>
+        <p:cNvGrpSpPr/>
+        <p:nvPr/>
+      </p:nvGrpSpPr>
+      <p:grpSpPr>
+        <a:xfrm>
+          <a:off x="0" y="0"/>
+          <a:ext cx="0" cy="0"/>
+          <a:chOff x="0" y="0"/>
+          <a:chExt cx="0" cy="0"/>
+        </a:xfrm>
+      </p:grpSpPr>
+      <p:pic>
+        <p:nvPicPr>
+          <p:cNvPr id="4" name="Picture 3">
+            <a:extLst>
+              <a:ext uri="{FF2B5EF4-FFF2-40B4-BE49-F238E27FC236}">
+                <a16:creationId xmlns:a16="http://schemas.microsoft.com/office/drawing/2014/main" id="{96A1A1C7-43AD-34C2-0903-7B4F7E09F7FC}"/>
+              </a:ext>
+            </a:extLst>
+          </p:cNvPr>
+          <p:cNvPicPr>
+            <a:picLocks noChangeAspect="1"/>
+          </p:cNvPicPr>
+          <p:nvPr/>
+        </p:nvPicPr>
+        <p:blipFill>
+          <a:blip r:embed="rId2"/>
+          <a:stretch>
+            <a:fillRect/>
+          </a:stretch>
+        </p:blipFill>
+        <p:spPr>
+          <a:xfrm>
+            <a:off x="0" y="0"/>
+            <a:ext cx="12192000" cy="6858000"/>
+          </a:xfrm>
+          <a:prstGeom prst="rect">
+            <a:avLst/>
+          </a:prstGeom>
+        </p:spPr>
+      </p:pic>
+    </p:spTree>
+    <p:extLst>
+      <p:ext uri="{BB962C8B-B14F-4D97-AF65-F5344CB8AC3E}">
+        <p14:creationId xmlns:p14="http://schemas.microsoft.com/office/powerpoint/2010/main" val="2055849493"/>
+      </p:ext>
+    </p:extLst>
+  </p:cSld>
+  <p:clrMapOvr>
+    <a:masterClrMapping/>
+  </p:clrMapOvr>
+</p:sld>
+</file>
+
+<file path=ppt/slides/slide21.xml><?xml version="1.0" encoding="utf-8"?>
+<p:sld xmlns:a="http://schemas.openxmlformats.org/drawingml/2006/main" xmlns:r="http://schemas.openxmlformats.org/officeDocument/2006/relationships" xmlns:p="http://schemas.openxmlformats.org/presentationml/2006/main">
+  <p:cSld>
+    <p:spTree>
+      <p:nvGrpSpPr>
+        <p:cNvPr id="1" name=""/>
+        <p:cNvGrpSpPr/>
+        <p:nvPr/>
+      </p:nvGrpSpPr>
+      <p:grpSpPr>
+        <a:xfrm>
+          <a:off x="0" y="0"/>
+          <a:ext cx="0" cy="0"/>
+          <a:chOff x="0" y="0"/>
+          <a:chExt cx="0" cy="0"/>
+        </a:xfrm>
+      </p:grpSpPr>
+      <p:pic>
+        <p:nvPicPr>
+          <p:cNvPr id="3" name="Picture 2">
+            <a:extLst>
+              <a:ext uri="{FF2B5EF4-FFF2-40B4-BE49-F238E27FC236}">
+                <a16:creationId xmlns:a16="http://schemas.microsoft.com/office/drawing/2014/main" id="{2103CA66-7977-29CD-2D3E-9AE2D0E03314}"/>
+              </a:ext>
+            </a:extLst>
+          </p:cNvPr>
+          <p:cNvPicPr>
+            <a:picLocks noChangeAspect="1"/>
+          </p:cNvPicPr>
+          <p:nvPr/>
+        </p:nvPicPr>
+        <p:blipFill>
+          <a:blip r:embed="rId2"/>
+          <a:stretch>
+            <a:fillRect/>
+          </a:stretch>
+        </p:blipFill>
+        <p:spPr>
+          <a:xfrm>
+            <a:off x="0" y="0"/>
+            <a:ext cx="12192000" cy="6858000"/>
+          </a:xfrm>
+          <a:prstGeom prst="rect">
+            <a:avLst/>
+          </a:prstGeom>
+        </p:spPr>
+      </p:pic>
+    </p:spTree>
+    <p:extLst>
+      <p:ext uri="{BB962C8B-B14F-4D97-AF65-F5344CB8AC3E}">
+        <p14:creationId xmlns:p14="http://schemas.microsoft.com/office/powerpoint/2010/main" val="1500829347"/>
+      </p:ext>
+    </p:extLst>
+  </p:cSld>
+  <p:clrMapOvr>
+    <a:masterClrMapping/>
+  </p:clrMapOvr>
+</p:sld>
+</file>
+
+<file path=ppt/slides/slide22.xml><?xml version="1.0" encoding="utf-8"?>
+<p:sld xmlns:a="http://schemas.openxmlformats.org/drawingml/2006/main" xmlns:r="http://schemas.openxmlformats.org/officeDocument/2006/relationships" xmlns:p="http://schemas.openxmlformats.org/presentationml/2006/main">
+  <p:cSld>
+    <p:spTree>
+      <p:nvGrpSpPr>
+        <p:cNvPr id="1" name=""/>
+        <p:cNvGrpSpPr/>
+        <p:nvPr/>
+      </p:nvGrpSpPr>
+      <p:grpSpPr>
+        <a:xfrm>
+          <a:off x="0" y="0"/>
+          <a:ext cx="0" cy="0"/>
+          <a:chOff x="0" y="0"/>
+          <a:chExt cx="0" cy="0"/>
+        </a:xfrm>
+      </p:grpSpPr>
+      <p:pic>
+        <p:nvPicPr>
+          <p:cNvPr id="4" name="Picture 3">
+            <a:extLst>
+              <a:ext uri="{FF2B5EF4-FFF2-40B4-BE49-F238E27FC236}">
+                <a16:creationId xmlns:a16="http://schemas.microsoft.com/office/drawing/2014/main" id="{E2B83DA8-41CB-CF21-88BB-1DBD1C8CD12C}"/>
+              </a:ext>
+            </a:extLst>
+          </p:cNvPr>
+          <p:cNvPicPr>
+            <a:picLocks noChangeAspect="1"/>
+          </p:cNvPicPr>
+          <p:nvPr/>
+        </p:nvPicPr>
+        <p:blipFill>
+          <a:blip r:embed="rId2"/>
+          <a:stretch>
+            <a:fillRect/>
+          </a:stretch>
+        </p:blipFill>
+        <p:spPr>
+          <a:xfrm>
+            <a:off x="0" y="0"/>
+            <a:ext cx="12192000" cy="6858000"/>
+          </a:xfrm>
+          <a:prstGeom prst="rect">
+            <a:avLst/>
+          </a:prstGeom>
+        </p:spPr>
+      </p:pic>
+    </p:spTree>
+    <p:extLst>
+      <p:ext uri="{BB962C8B-B14F-4D97-AF65-F5344CB8AC3E}">
+        <p14:creationId xmlns:p14="http://schemas.microsoft.com/office/powerpoint/2010/main" val="3389915976"/>
+      </p:ext>
+    </p:extLst>
+  </p:cSld>
+  <p:clrMapOvr>
+    <a:masterClrMapping/>
+  </p:clrMapOvr>
+</p:sld>
+</file>
+
+<file path=ppt/slides/slide23.xml><?xml version="1.0" encoding="utf-8"?>
+<p:sld xmlns:a="http://schemas.openxmlformats.org/drawingml/2006/main" xmlns:r="http://schemas.openxmlformats.org/officeDocument/2006/relationships" xmlns:p="http://schemas.openxmlformats.org/presentationml/2006/main">
+  <p:cSld>
+    <p:spTree>
+      <p:nvGrpSpPr>
+        <p:cNvPr id="1" name=""/>
+        <p:cNvGrpSpPr/>
+        <p:nvPr/>
+      </p:nvGrpSpPr>
+      <p:grpSpPr>
+        <a:xfrm>
+          <a:off x="0" y="0"/>
+          <a:ext cx="0" cy="0"/>
+          <a:chOff x="0" y="0"/>
+          <a:chExt cx="0" cy="0"/>
+        </a:xfrm>
+      </p:grpSpPr>
+      <p:pic>
+        <p:nvPicPr>
+          <p:cNvPr id="3" name="Picture 2">
+            <a:extLst>
+              <a:ext uri="{FF2B5EF4-FFF2-40B4-BE49-F238E27FC236}">
+                <a16:creationId xmlns:a16="http://schemas.microsoft.com/office/drawing/2014/main" id="{D3DC7D80-3D37-27DF-4AB8-0C3F47B23194}"/>
+              </a:ext>
+            </a:extLst>
+          </p:cNvPr>
+          <p:cNvPicPr>
+            <a:picLocks noChangeAspect="1"/>
+          </p:cNvPicPr>
+          <p:nvPr/>
+        </p:nvPicPr>
+        <p:blipFill>
+          <a:blip r:embed="rId2"/>
+          <a:stretch>
+            <a:fillRect/>
+          </a:stretch>
+        </p:blipFill>
+        <p:spPr>
+          <a:xfrm>
+            <a:off x="0" y="0"/>
+            <a:ext cx="12192000" cy="6858000"/>
+          </a:xfrm>
+          <a:prstGeom prst="rect">
+            <a:avLst/>
+          </a:prstGeom>
+        </p:spPr>
+      </p:pic>
+    </p:spTree>
+    <p:extLst>
+      <p:ext uri="{BB962C8B-B14F-4D97-AF65-F5344CB8AC3E}">
+        <p14:creationId xmlns:p14="http://schemas.microsoft.com/office/powerpoint/2010/main" val="1025873016"/>
+      </p:ext>
+    </p:extLst>
+  </p:cSld>
+  <p:clrMapOvr>
+    <a:masterClrMapping/>
+  </p:clrMapOvr>
+</p:sld>
+</file>
+
+<file path=ppt/slides/slide24.xml><?xml version="1.0" encoding="utf-8"?>
+<p:sld xmlns:a="http://schemas.openxmlformats.org/drawingml/2006/main" xmlns:r="http://schemas.openxmlformats.org/officeDocument/2006/relationships" xmlns:p="http://schemas.openxmlformats.org/presentationml/2006/main">
+  <p:cSld>
+    <p:spTree>
+      <p:nvGrpSpPr>
+        <p:cNvPr id="1" name=""/>
+        <p:cNvGrpSpPr/>
+        <p:nvPr/>
+      </p:nvGrpSpPr>
+      <p:grpSpPr>
+        <a:xfrm>
+          <a:off x="0" y="0"/>
+          <a:ext cx="0" cy="0"/>
+          <a:chOff x="0" y="0"/>
+          <a:chExt cx="0" cy="0"/>
+        </a:xfrm>
+      </p:grpSpPr>
+      <p:pic>
+        <p:nvPicPr>
+          <p:cNvPr id="4" name="Picture 3">
+            <a:extLst>
+              <a:ext uri="{FF2B5EF4-FFF2-40B4-BE49-F238E27FC236}">
+                <a16:creationId xmlns:a16="http://schemas.microsoft.com/office/drawing/2014/main" id="{EC571D9E-A874-9AC0-31AB-088B9A94A1B3}"/>
+              </a:ext>
+            </a:extLst>
+          </p:cNvPr>
+          <p:cNvPicPr>
+            <a:picLocks noChangeAspect="1"/>
+          </p:cNvPicPr>
+          <p:nvPr/>
+        </p:nvPicPr>
+        <p:blipFill>
+          <a:blip r:embed="rId2"/>
+          <a:stretch>
+            <a:fillRect/>
+          </a:stretch>
+        </p:blipFill>
+        <p:spPr>
+          <a:xfrm>
+            <a:off x="0" y="0"/>
+            <a:ext cx="12192000" cy="6858000"/>
+          </a:xfrm>
+          <a:prstGeom prst="rect">
+            <a:avLst/>
+          </a:prstGeom>
+        </p:spPr>
+      </p:pic>
+    </p:spTree>
+    <p:extLst>
+      <p:ext uri="{BB962C8B-B14F-4D97-AF65-F5344CB8AC3E}">
+        <p14:creationId xmlns:p14="http://schemas.microsoft.com/office/powerpoint/2010/main" val="553350866"/>
+      </p:ext>
+    </p:extLst>
+  </p:cSld>
+  <p:clrMapOvr>
+    <a:masterClrMapping/>
+  </p:clrMapOvr>
+</p:sld>
+</file>
+
+<file path=ppt/slides/slide25.xml><?xml version="1.0" encoding="utf-8"?>
+<p:sld xmlns:a="http://schemas.openxmlformats.org/drawingml/2006/main" xmlns:r="http://schemas.openxmlformats.org/officeDocument/2006/relationships" xmlns:p="http://schemas.openxmlformats.org/presentationml/2006/main">
+  <p:cSld>
+    <p:spTree>
+      <p:nvGrpSpPr>
+        <p:cNvPr id="1" name=""/>
+        <p:cNvGrpSpPr/>
+        <p:nvPr/>
+      </p:nvGrpSpPr>
+      <p:grpSpPr>
+        <a:xfrm>
+          <a:off x="0" y="0"/>
+          <a:ext cx="0" cy="0"/>
+          <a:chOff x="0" y="0"/>
+          <a:chExt cx="0" cy="0"/>
+        </a:xfrm>
+      </p:grpSpPr>
+      <p:sp>
+        <p:nvSpPr>
+          <p:cNvPr id="2" name="Title 1">
+            <a:extLst>
+              <a:ext uri="{FF2B5EF4-FFF2-40B4-BE49-F238E27FC236}">
+                <a16:creationId xmlns:a16="http://schemas.microsoft.com/office/drawing/2014/main" id="{EB814F0C-87D5-53E1-4ED9-25BA6230F25A}"/>
+              </a:ext>
+            </a:extLst>
+          </p:cNvPr>
+          <p:cNvSpPr>
+            <a:spLocks noGrp="1"/>
+          </p:cNvSpPr>
+          <p:nvPr>
+            <p:ph type="title"/>
+          </p:nvPr>
+        </p:nvSpPr>
+        <p:spPr>
+          <a:xfrm>
+            <a:off x="267428" y="5354450"/>
+            <a:ext cx="11029616" cy="566738"/>
+          </a:xfrm>
+        </p:spPr>
+        <p:txBody>
+          <a:bodyPr/>
+          <a:lstStyle/>
+          <a:p>
+            <a:pPr algn="ctr"/>
+            <a:r>
+              <a:rPr lang="en-IN" dirty="0"/>
+              <a:t>Thank You</a:t>
+            </a:r>
+          </a:p>
+        </p:txBody>
+      </p:sp>
+      <p:sp>
+        <p:nvSpPr>
+          <p:cNvPr id="16" name="TextBox 15">
+            <a:extLst>
+              <a:ext uri="{FF2B5EF4-FFF2-40B4-BE49-F238E27FC236}">
+                <a16:creationId xmlns:a16="http://schemas.microsoft.com/office/drawing/2014/main" id="{0420032F-1006-4A69-E931-E39AFBEE20DC}"/>
+              </a:ext>
+            </a:extLst>
+          </p:cNvPr>
+          <p:cNvSpPr txBox="1"/>
+          <p:nvPr/>
+        </p:nvSpPr>
+        <p:spPr>
+          <a:xfrm>
+            <a:off x="267428" y="3258884"/>
+            <a:ext cx="11029616" cy="1569660"/>
+          </a:xfrm>
+          <a:prstGeom prst="rect">
+            <a:avLst/>
+          </a:prstGeom>
+          <a:noFill/>
+        </p:spPr>
+        <p:txBody>
+          <a:bodyPr wrap="square">
+            <a:spAutoFit/>
+          </a:bodyPr>
+          <a:lstStyle/>
+          <a:p>
+            <a:pPr algn="ctr"/>
+            <a:r>
+              <a:rPr lang="en-IN" sz="2400" b="1" dirty="0">
+                <a:solidFill>
+                  <a:schemeClr val="accent1"/>
+                </a:solidFill>
+              </a:rPr>
+              <a:t>Presented By</a:t>
+            </a:r>
+          </a:p>
+          <a:p>
+            <a:pPr algn="ctr"/>
+            <a:r>
+              <a:rPr lang="en-IN" sz="2400" dirty="0" err="1"/>
+              <a:t>Nixan</a:t>
+            </a:r>
+            <a:r>
+              <a:rPr lang="en-IN" sz="2400" dirty="0"/>
+              <a:t> Parmar (31)</a:t>
+            </a:r>
+          </a:p>
+          <a:p>
+            <a:pPr algn="ctr"/>
+            <a:r>
+              <a:rPr lang="en-IN" sz="2400" dirty="0"/>
+              <a:t>Tejasv Modi (27)</a:t>
+            </a:r>
+          </a:p>
+          <a:p>
+            <a:pPr algn="ctr"/>
+            <a:r>
+              <a:rPr lang="en-IN" sz="2400" dirty="0"/>
+              <a:t>Smit Joshi (18)</a:t>
+            </a:r>
+          </a:p>
+        </p:txBody>
+      </p:sp>
+      <p:pic>
+        <p:nvPicPr>
+          <p:cNvPr id="17" name="Picture 16">
+            <a:extLst>
+              <a:ext uri="{FF2B5EF4-FFF2-40B4-BE49-F238E27FC236}">
+                <a16:creationId xmlns:a16="http://schemas.microsoft.com/office/drawing/2014/main" id="{5FB96BCE-F6D4-E1C8-A8A9-F3BEFD9F2B3E}"/>
+              </a:ext>
+            </a:extLst>
+          </p:cNvPr>
+          <p:cNvPicPr>
+            <a:picLocks noChangeAspect="1"/>
+          </p:cNvPicPr>
+          <p:nvPr/>
+        </p:nvPicPr>
+        <p:blipFill>
+          <a:blip r:embed="rId2"/>
+          <a:stretch>
+            <a:fillRect/>
+          </a:stretch>
+        </p:blipFill>
+        <p:spPr>
+          <a:xfrm>
+            <a:off x="4652683" y="1575187"/>
+            <a:ext cx="2259106" cy="1157791"/>
+          </a:xfrm>
+          <a:prstGeom prst="rect">
+            <a:avLst/>
+          </a:prstGeom>
+        </p:spPr>
+      </p:pic>
+    </p:spTree>
+    <p:extLst>
+      <p:ext uri="{BB962C8B-B14F-4D97-AF65-F5344CB8AC3E}">
+        <p14:creationId xmlns:p14="http://schemas.microsoft.com/office/powerpoint/2010/main" val="1202063408"/>
+      </p:ext>
+    </p:extLst>
+  </p:cSld>
+  <p:clrMapOvr>
+    <a:masterClrMapping/>
+  </p:clrMapOvr>
+</p:sld>
+</file>
+
+<file path=ppt/slides/slide3.xml><?xml version="1.0" encoding="utf-8"?>
+<p:sld xmlns:a="http://schemas.openxmlformats.org/drawingml/2006/main" xmlns:r="http://schemas.openxmlformats.org/officeDocument/2006/relationships" xmlns:p="http://schemas.openxmlformats.org/presentationml/2006/main">
+  <p:cSld>
+    <p:spTree>
+      <p:nvGrpSpPr>
+        <p:cNvPr id="1" name=""/>
+        <p:cNvGrpSpPr/>
+        <p:nvPr/>
+      </p:nvGrpSpPr>
+      <p:grpSpPr>
+        <a:xfrm>
+          <a:off x="0" y="0"/>
+          <a:ext cx="0" cy="0"/>
+          <a:chOff x="0" y="0"/>
+          <a:chExt cx="0" cy="0"/>
+        </a:xfrm>
+      </p:grpSpPr>
+      <p:sp>
+        <p:nvSpPr>
+          <p:cNvPr id="2" name="Title 1">
+            <a:extLst>
+              <a:ext uri="{FF2B5EF4-FFF2-40B4-BE49-F238E27FC236}">
+                <a16:creationId xmlns:a16="http://schemas.microsoft.com/office/drawing/2014/main" id="{69111A68-5D1C-683F-949F-FCE04B27655B}"/>
+              </a:ext>
+            </a:extLst>
+          </p:cNvPr>
+          <p:cNvSpPr>
+            <a:spLocks noGrp="1"/>
+          </p:cNvSpPr>
+          <p:nvPr>
+            <p:ph type="title"/>
+          </p:nvPr>
+        </p:nvSpPr>
+        <p:spPr>
+          <a:xfrm>
+            <a:off x="581192" y="773873"/>
+            <a:ext cx="11029616" cy="911491"/>
+          </a:xfrm>
+        </p:spPr>
+        <p:txBody>
+          <a:bodyPr anchor="b"/>
+          <a:lstStyle/>
+          <a:p>
+            <a:r>
+              <a:rPr lang="en-IN" cap="none" dirty="0"/>
+              <a:t>NeoDatis</a:t>
+            </a:r>
+          </a:p>
+        </p:txBody>
+      </p:sp>
+      <p:sp>
+        <p:nvSpPr>
+          <p:cNvPr id="3" name="Content Placeholder 2">
+            <a:extLst>
+              <a:ext uri="{FF2B5EF4-FFF2-40B4-BE49-F238E27FC236}">
+                <a16:creationId xmlns:a16="http://schemas.microsoft.com/office/drawing/2014/main" id="{AF0751D0-6FEC-0FDD-565B-072703E95887}"/>
+              </a:ext>
+            </a:extLst>
+          </p:cNvPr>
+          <p:cNvSpPr>
+            <a:spLocks noGrp="1"/>
+          </p:cNvSpPr>
+          <p:nvPr>
+            <p:ph idx="1"/>
+          </p:nvPr>
+        </p:nvSpPr>
+        <p:spPr/>
+        <p:txBody>
+          <a:bodyPr/>
+          <a:lstStyle/>
+          <a:p>
+            <a:pPr>
+              <a:buFont typeface="Wingdings" panose="05000000000000000000" pitchFamily="2" charset="2"/>
+              <a:buChar char="Ø"/>
+            </a:pPr>
+            <a:r>
+              <a:rPr lang="en-IN" sz="2400" dirty="0"/>
+              <a:t>NeoDatis ODB is an object-oriented database for Java, .NET, Groovy, Scala, and Google Android.</a:t>
+            </a:r>
+          </a:p>
+          <a:p>
+            <a:pPr>
+              <a:buFont typeface="Wingdings" panose="05000000000000000000" pitchFamily="2" charset="2"/>
+              <a:buChar char="Ø"/>
+            </a:pPr>
+            <a:r>
+              <a:rPr lang="en-US" sz="2400" dirty="0"/>
+              <a:t>It is a native and transparent persistence layer that allows you to store and retrieve objects without any mapping or conversion.</a:t>
+            </a:r>
+          </a:p>
+          <a:p>
+            <a:pPr>
+              <a:buFont typeface="Wingdings" panose="05000000000000000000" pitchFamily="2" charset="2"/>
+              <a:buChar char="Ø"/>
+            </a:pPr>
+            <a:r>
+              <a:rPr lang="en-US" sz="2400" dirty="0"/>
+              <a:t>NeoDatis is a light-weight and easy to use database that is well suited for small and </a:t>
+            </a:r>
+            <a:r>
+              <a:rPr lang="en-IN" sz="2400" dirty="0"/>
+              <a:t>medium size applications.</a:t>
+            </a:r>
+            <a:endParaRPr lang="en-US" sz="2400" dirty="0"/>
+          </a:p>
+          <a:p>
+            <a:pPr marL="0" indent="0">
+              <a:buNone/>
+            </a:pPr>
+            <a:endParaRPr lang="en-IN" dirty="0"/>
+          </a:p>
+        </p:txBody>
+      </p:sp>
+      <p:pic>
+        <p:nvPicPr>
+          <p:cNvPr id="4" name="Picture 3">
+            <a:extLst>
+              <a:ext uri="{FF2B5EF4-FFF2-40B4-BE49-F238E27FC236}">
+                <a16:creationId xmlns:a16="http://schemas.microsoft.com/office/drawing/2014/main" id="{D41F2CB2-1F2F-9343-2D64-1B8D4C589C02}"/>
+              </a:ext>
+            </a:extLst>
+          </p:cNvPr>
+          <p:cNvPicPr>
+            <a:picLocks noChangeAspect="1"/>
+          </p:cNvPicPr>
+          <p:nvPr/>
+        </p:nvPicPr>
+        <p:blipFill>
+          <a:blip r:embed="rId2"/>
+          <a:stretch>
+            <a:fillRect/>
+          </a:stretch>
+        </p:blipFill>
+        <p:spPr>
+          <a:xfrm>
+            <a:off x="11295529" y="0"/>
+            <a:ext cx="896471" cy="459441"/>
+          </a:xfrm>
+          <a:prstGeom prst="rect">
+            <a:avLst/>
+          </a:prstGeom>
+        </p:spPr>
+      </p:pic>
+    </p:spTree>
+    <p:extLst>
+      <p:ext uri="{BB962C8B-B14F-4D97-AF65-F5344CB8AC3E}">
+        <p14:creationId xmlns:p14="http://schemas.microsoft.com/office/powerpoint/2010/main" val="3141020415"/>
+      </p:ext>
+    </p:extLst>
+  </p:cSld>
+  <p:clrMapOvr>
+    <a:masterClrMapping/>
+  </p:clrMapOvr>
+</p:sld>
+</file>
+
+<file path=ppt/slides/slide4.xml><?xml version="1.0" encoding="utf-8"?>
+<p:sld xmlns:a="http://schemas.openxmlformats.org/drawingml/2006/main" xmlns:r="http://schemas.openxmlformats.org/officeDocument/2006/relationships" xmlns:p="http://schemas.openxmlformats.org/presentationml/2006/main">
+  <p:cSld>
+    <p:spTree>
+      <p:nvGrpSpPr>
+        <p:cNvPr id="1" name=""/>
+        <p:cNvGrpSpPr/>
+        <p:nvPr/>
+      </p:nvGrpSpPr>
+      <p:grpSpPr>
+        <a:xfrm>
+          <a:off x="0" y="0"/>
+          <a:ext cx="0" cy="0"/>
+          <a:chOff x="0" y="0"/>
+          <a:chExt cx="0" cy="0"/>
+        </a:xfrm>
+      </p:grpSpPr>
+      <p:sp>
+        <p:nvSpPr>
+          <p:cNvPr id="2" name="Title 1">
+            <a:extLst>
+              <a:ext uri="{FF2B5EF4-FFF2-40B4-BE49-F238E27FC236}">
+                <a16:creationId xmlns:a16="http://schemas.microsoft.com/office/drawing/2014/main" id="{69111A68-5D1C-683F-949F-FCE04B27655B}"/>
+              </a:ext>
+            </a:extLst>
+          </p:cNvPr>
+          <p:cNvSpPr>
+            <a:spLocks noGrp="1"/>
+          </p:cNvSpPr>
+          <p:nvPr>
+            <p:ph type="title"/>
+          </p:nvPr>
+        </p:nvSpPr>
+        <p:spPr/>
+        <p:txBody>
+          <a:bodyPr/>
+          <a:lstStyle/>
+          <a:p>
+            <a:r>
+              <a:rPr lang="en-IN" cap="none" dirty="0"/>
+              <a:t> Features of NeoDatis ODB</a:t>
+            </a:r>
+          </a:p>
+        </p:txBody>
+      </p:sp>
+      <p:sp>
+        <p:nvSpPr>
+          <p:cNvPr id="3" name="Content Placeholder 2">
+            <a:extLst>
+              <a:ext uri="{FF2B5EF4-FFF2-40B4-BE49-F238E27FC236}">
+                <a16:creationId xmlns:a16="http://schemas.microsoft.com/office/drawing/2014/main" id="{AF0751D0-6FEC-0FDD-565B-072703E95887}"/>
+              </a:ext>
+            </a:extLst>
+          </p:cNvPr>
+          <p:cNvSpPr>
+            <a:spLocks noGrp="1"/>
+          </p:cNvSpPr>
+          <p:nvPr>
+            <p:ph sz="half" idx="1"/>
+          </p:nvPr>
+        </p:nvSpPr>
+        <p:spPr/>
+        <p:txBody>
+          <a:bodyPr>
+            <a:normAutofit/>
+          </a:bodyPr>
+          <a:lstStyle/>
+          <a:p>
+            <a:pPr>
+              <a:buFont typeface="Wingdings" panose="05000000000000000000" pitchFamily="2" charset="2"/>
+              <a:buChar char="Ø"/>
+            </a:pPr>
+            <a:r>
+              <a:rPr lang="en-IN" sz="2400" dirty="0"/>
+              <a:t>Native and transparent persistence.</a:t>
+            </a:r>
+          </a:p>
+          <a:p>
+            <a:pPr>
+              <a:buFont typeface="Wingdings" panose="05000000000000000000" pitchFamily="2" charset="2"/>
+              <a:buChar char="Ø"/>
+            </a:pPr>
+            <a:r>
+              <a:rPr lang="en-US" sz="2400" dirty="0"/>
+              <a:t>Simple and easy to use</a:t>
+            </a:r>
+          </a:p>
+          <a:p>
+            <a:pPr>
+              <a:buFont typeface="Wingdings" panose="05000000000000000000" pitchFamily="2" charset="2"/>
+              <a:buChar char="Ø"/>
+            </a:pPr>
+            <a:r>
+              <a:rPr lang="en-US" sz="2400" dirty="0"/>
+              <a:t>Powerful Query Language</a:t>
+            </a:r>
+          </a:p>
+          <a:p>
+            <a:pPr>
+              <a:buFont typeface="Wingdings" panose="05000000000000000000" pitchFamily="2" charset="2"/>
+              <a:buChar char="Ø"/>
+            </a:pPr>
+            <a:r>
+              <a:rPr lang="en-US" sz="2400" dirty="0"/>
+              <a:t>High Performance</a:t>
+            </a:r>
+          </a:p>
+          <a:p>
+            <a:pPr>
+              <a:buFont typeface="Wingdings" panose="05000000000000000000" pitchFamily="2" charset="2"/>
+              <a:buChar char="Ø"/>
+            </a:pPr>
+            <a:r>
+              <a:rPr lang="en-IN" sz="2400" dirty="0"/>
+              <a:t>Scalable</a:t>
+            </a:r>
+          </a:p>
+          <a:p>
+            <a:pPr>
+              <a:buFont typeface="Wingdings" panose="05000000000000000000" pitchFamily="2" charset="2"/>
+              <a:buChar char="Ø"/>
+            </a:pPr>
+            <a:r>
+              <a:rPr lang="en-IN" sz="2400" dirty="0"/>
+              <a:t>Open source</a:t>
+            </a:r>
+          </a:p>
+        </p:txBody>
+      </p:sp>
+      <p:pic>
+        <p:nvPicPr>
+          <p:cNvPr id="1026" name="Picture 2" descr="NeoDatis ODB - Database of Databases">
+            <a:extLst>
+              <a:ext uri="{FF2B5EF4-FFF2-40B4-BE49-F238E27FC236}">
+                <a16:creationId xmlns:a16="http://schemas.microsoft.com/office/drawing/2014/main" id="{DB774019-1422-D32D-FB58-7E8233184061}"/>
+              </a:ext>
+            </a:extLst>
+          </p:cNvPr>
+          <p:cNvPicPr>
+            <a:picLocks noGrp="1" noChangeAspect="1" noChangeArrowheads="1"/>
+          </p:cNvPicPr>
+          <p:nvPr>
+            <p:ph sz="half" idx="2"/>
+          </p:nvPr>
+        </p:nvPicPr>
+        <p:blipFill>
+          <a:blip r:embed="rId2">
+            <a:extLst>
+              <a:ext uri="{28A0092B-C50C-407E-A947-70E740481C1C}">
+                <a14:useLocalDpi xmlns:a14="http://schemas.microsoft.com/office/drawing/2010/main" val="0"/>
+              </a:ext>
+            </a:extLst>
+          </a:blip>
+          <a:srcRect/>
+          <a:stretch>
+            <a:fillRect/>
+          </a:stretch>
+        </p:blipFill>
+        <p:spPr bwMode="auto">
+          <a:xfrm>
+            <a:off x="6416675" y="3579458"/>
+            <a:ext cx="5194300" cy="929397"/>
+          </a:xfrm>
+          <a:prstGeom prst="rect">
+            <a:avLst/>
+          </a:prstGeom>
+          <a:noFill/>
+          <a:ln>
+            <a:solidFill>
+              <a:schemeClr val="bg1">
+                <a:lumMod val="75000"/>
+              </a:schemeClr>
+            </a:solidFill>
+          </a:ln>
+          <a:extLst>
+            <a:ext uri="{909E8E84-426E-40DD-AFC4-6F175D3DCCD1}">
+              <a14:hiddenFill xmlns:a14="http://schemas.microsoft.com/office/drawing/2010/main">
+                <a:solidFill>
+                  <a:srgbClr val="FFFFFF"/>
+                </a:solidFill>
+              </a14:hiddenFill>
+            </a:ext>
+          </a:extLst>
+        </p:spPr>
+      </p:pic>
+      <p:pic>
+        <p:nvPicPr>
+          <p:cNvPr id="5" name="Picture 4">
+            <a:extLst>
+              <a:ext uri="{FF2B5EF4-FFF2-40B4-BE49-F238E27FC236}">
+                <a16:creationId xmlns:a16="http://schemas.microsoft.com/office/drawing/2014/main" id="{B8A1590D-0057-14E8-1096-A06B63B18D0A}"/>
+              </a:ext>
+            </a:extLst>
+          </p:cNvPr>
+          <p:cNvPicPr>
+            <a:picLocks noChangeAspect="1"/>
+          </p:cNvPicPr>
+          <p:nvPr/>
+        </p:nvPicPr>
+        <p:blipFill>
+          <a:blip r:embed="rId3"/>
+          <a:stretch>
+            <a:fillRect/>
+          </a:stretch>
+        </p:blipFill>
+        <p:spPr>
+          <a:xfrm>
+            <a:off x="11295529" y="0"/>
+            <a:ext cx="896471" cy="459441"/>
+          </a:xfrm>
+          <a:prstGeom prst="rect">
+            <a:avLst/>
+          </a:prstGeom>
+        </p:spPr>
+      </p:pic>
+    </p:spTree>
+    <p:extLst>
+      <p:ext uri="{BB962C8B-B14F-4D97-AF65-F5344CB8AC3E}">
+        <p14:creationId xmlns:p14="http://schemas.microsoft.com/office/powerpoint/2010/main" val="4208907903"/>
+      </p:ext>
+    </p:extLst>
+  </p:cSld>
+  <p:clrMapOvr>
+    <a:masterClrMapping/>
+  </p:clrMapOvr>
+</p:sld>
+</file>
+
+<file path=ppt/slides/slide5.xml><?xml version="1.0" encoding="utf-8"?>
+<p:sld xmlns:a="http://schemas.openxmlformats.org/drawingml/2006/main" xmlns:r="http://schemas.openxmlformats.org/officeDocument/2006/relationships" xmlns:p="http://schemas.openxmlformats.org/presentationml/2006/main">
+  <p:cSld>
+    <p:spTree>
+      <p:nvGrpSpPr>
+        <p:cNvPr id="1" name=""/>
+        <p:cNvGrpSpPr/>
+        <p:nvPr/>
+      </p:nvGrpSpPr>
+      <p:grpSpPr>
+        <a:xfrm>
+          <a:off x="0" y="0"/>
+          <a:ext cx="0" cy="0"/>
+          <a:chOff x="0" y="0"/>
+          <a:chExt cx="0" cy="0"/>
+        </a:xfrm>
+      </p:grpSpPr>
+      <p:sp>
+        <p:nvSpPr>
+          <p:cNvPr id="2" name="Title 1">
+            <a:extLst>
+              <a:ext uri="{FF2B5EF4-FFF2-40B4-BE49-F238E27FC236}">
+                <a16:creationId xmlns:a16="http://schemas.microsoft.com/office/drawing/2014/main" id="{69111A68-5D1C-683F-949F-FCE04B27655B}"/>
+              </a:ext>
+            </a:extLst>
+          </p:cNvPr>
+          <p:cNvSpPr>
+            <a:spLocks noGrp="1"/>
+          </p:cNvSpPr>
+          <p:nvPr>
+            <p:ph type="title"/>
+          </p:nvPr>
+        </p:nvSpPr>
+        <p:spPr/>
+        <p:txBody>
+          <a:bodyPr/>
+          <a:lstStyle/>
+          <a:p>
+            <a:r>
+              <a:rPr lang="en-US" cap="none" dirty="0"/>
+              <a:t>Benefits of using NeoDatis ODB</a:t>
+            </a:r>
+            <a:endParaRPr lang="en-IN" cap="none" dirty="0"/>
+          </a:p>
+        </p:txBody>
+      </p:sp>
+      <p:sp>
+        <p:nvSpPr>
+          <p:cNvPr id="3" name="Content Placeholder 2">
+            <a:extLst>
+              <a:ext uri="{FF2B5EF4-FFF2-40B4-BE49-F238E27FC236}">
+                <a16:creationId xmlns:a16="http://schemas.microsoft.com/office/drawing/2014/main" id="{AF0751D0-6FEC-0FDD-565B-072703E95887}"/>
+              </a:ext>
+            </a:extLst>
+          </p:cNvPr>
+          <p:cNvSpPr>
+            <a:spLocks noGrp="1"/>
+          </p:cNvSpPr>
+          <p:nvPr>
+            <p:ph sz="half" idx="1"/>
+          </p:nvPr>
+        </p:nvSpPr>
+        <p:spPr/>
+        <p:txBody>
+          <a:bodyPr>
+            <a:normAutofit/>
+          </a:bodyPr>
+          <a:lstStyle/>
+          <a:p>
+            <a:pPr>
+              <a:buFont typeface="Wingdings" panose="05000000000000000000" pitchFamily="2" charset="2"/>
+              <a:buChar char="Ø"/>
+            </a:pPr>
+            <a:r>
+              <a:rPr lang="en-IN" sz="2400" dirty="0"/>
+              <a:t>Increased productivity.</a:t>
+            </a:r>
+          </a:p>
+          <a:p>
+            <a:pPr>
+              <a:buFont typeface="Wingdings" panose="05000000000000000000" pitchFamily="2" charset="2"/>
+              <a:buChar char="Ø"/>
+            </a:pPr>
+            <a:r>
+              <a:rPr lang="en-IN" sz="2400" dirty="0"/>
+              <a:t>Improved performance.</a:t>
+            </a:r>
+          </a:p>
+          <a:p>
+            <a:pPr>
+              <a:buFont typeface="Wingdings" panose="05000000000000000000" pitchFamily="2" charset="2"/>
+              <a:buChar char="Ø"/>
+            </a:pPr>
+            <a:r>
+              <a:rPr lang="en-IN" sz="2400" dirty="0"/>
+              <a:t>Reduced complexity.</a:t>
+            </a:r>
+          </a:p>
+          <a:p>
+            <a:pPr>
+              <a:buFont typeface="Wingdings" panose="05000000000000000000" pitchFamily="2" charset="2"/>
+              <a:buChar char="Ø"/>
+            </a:pPr>
+            <a:r>
+              <a:rPr lang="en-IN" sz="2400" dirty="0"/>
+              <a:t>Increased scalability.</a:t>
+            </a:r>
+          </a:p>
+          <a:p>
+            <a:pPr>
+              <a:buFont typeface="Wingdings" panose="05000000000000000000" pitchFamily="2" charset="2"/>
+              <a:buChar char="Ø"/>
+            </a:pPr>
+            <a:r>
+              <a:rPr lang="en-IN" sz="2400" dirty="0"/>
+              <a:t>Reduced costs.</a:t>
+            </a:r>
+          </a:p>
+        </p:txBody>
+      </p:sp>
+      <p:pic>
+        <p:nvPicPr>
+          <p:cNvPr id="1026" name="Picture 2" descr="NeoDatis ODB - Database of Databases">
+            <a:extLst>
+              <a:ext uri="{FF2B5EF4-FFF2-40B4-BE49-F238E27FC236}">
+                <a16:creationId xmlns:a16="http://schemas.microsoft.com/office/drawing/2014/main" id="{DB774019-1422-D32D-FB58-7E8233184061}"/>
+              </a:ext>
+            </a:extLst>
+          </p:cNvPr>
+          <p:cNvPicPr>
+            <a:picLocks noGrp="1" noChangeAspect="1" noChangeArrowheads="1"/>
+          </p:cNvPicPr>
+          <p:nvPr>
+            <p:ph sz="half" idx="2"/>
+          </p:nvPr>
+        </p:nvPicPr>
+        <p:blipFill>
+          <a:blip r:embed="rId2">
+            <a:extLst>
+              <a:ext uri="{28A0092B-C50C-407E-A947-70E740481C1C}">
+                <a14:useLocalDpi xmlns:a14="http://schemas.microsoft.com/office/drawing/2010/main" val="0"/>
+              </a:ext>
+            </a:extLst>
+          </a:blip>
+          <a:srcRect/>
+          <a:stretch>
+            <a:fillRect/>
+          </a:stretch>
+        </p:blipFill>
+        <p:spPr bwMode="auto">
+          <a:xfrm>
+            <a:off x="6416675" y="3579458"/>
+            <a:ext cx="5194300" cy="929397"/>
+          </a:xfrm>
+          <a:prstGeom prst="rect">
+            <a:avLst/>
+          </a:prstGeom>
+          <a:noFill/>
+          <a:ln>
+            <a:solidFill>
+              <a:schemeClr val="bg1">
+                <a:lumMod val="75000"/>
+              </a:schemeClr>
+            </a:solidFill>
+          </a:ln>
+          <a:extLst>
+            <a:ext uri="{909E8E84-426E-40DD-AFC4-6F175D3DCCD1}">
+              <a14:hiddenFill xmlns:a14="http://schemas.microsoft.com/office/drawing/2010/main">
+                <a:solidFill>
+                  <a:srgbClr val="FFFFFF"/>
+                </a:solidFill>
+              </a14:hiddenFill>
+            </a:ext>
+          </a:extLst>
+        </p:spPr>
+      </p:pic>
+      <p:pic>
+        <p:nvPicPr>
+          <p:cNvPr id="4" name="Picture 3">
+            <a:extLst>
+              <a:ext uri="{FF2B5EF4-FFF2-40B4-BE49-F238E27FC236}">
+                <a16:creationId xmlns:a16="http://schemas.microsoft.com/office/drawing/2014/main" id="{01A96D2C-FEC2-8BD8-7919-D4534C1341E9}"/>
+              </a:ext>
+            </a:extLst>
+          </p:cNvPr>
+          <p:cNvPicPr>
+            <a:picLocks noChangeAspect="1"/>
+          </p:cNvPicPr>
+          <p:nvPr/>
+        </p:nvPicPr>
+        <p:blipFill>
+          <a:blip r:embed="rId3"/>
+          <a:stretch>
+            <a:fillRect/>
+          </a:stretch>
+        </p:blipFill>
+        <p:spPr>
+          <a:xfrm>
+            <a:off x="11295529" y="0"/>
+            <a:ext cx="896471" cy="459441"/>
+          </a:xfrm>
+          <a:prstGeom prst="rect">
+            <a:avLst/>
+          </a:prstGeom>
+        </p:spPr>
+      </p:pic>
+    </p:spTree>
+    <p:extLst>
+      <p:ext uri="{BB962C8B-B14F-4D97-AF65-F5344CB8AC3E}">
+        <p14:creationId xmlns:p14="http://schemas.microsoft.com/office/powerpoint/2010/main" val="2874565252"/>
+      </p:ext>
+    </p:extLst>
+  </p:cSld>
+  <p:clrMapOvr>
+    <a:masterClrMapping/>
+  </p:clrMapOvr>
+</p:sld>
+</file>
+
+<file path=ppt/slides/slide6.xml><?xml version="1.0" encoding="utf-8"?>
+<p:sld xmlns:a="http://schemas.openxmlformats.org/drawingml/2006/main" xmlns:r="http://schemas.openxmlformats.org/officeDocument/2006/relationships" xmlns:p="http://schemas.openxmlformats.org/presentationml/2006/main">
+  <p:cSld>
+    <p:spTree>
+      <p:nvGrpSpPr>
+        <p:cNvPr id="1" name=""/>
+        <p:cNvGrpSpPr/>
+        <p:nvPr/>
+      </p:nvGrpSpPr>
+      <p:grpSpPr>
+        <a:xfrm>
+          <a:off x="0" y="0"/>
+          <a:ext cx="0" cy="0"/>
+          <a:chOff x="0" y="0"/>
+          <a:chExt cx="0" cy="0"/>
+        </a:xfrm>
+      </p:grpSpPr>
+      <p:sp>
+        <p:nvSpPr>
+          <p:cNvPr id="2" name="Title 1">
+            <a:extLst>
+              <a:ext uri="{FF2B5EF4-FFF2-40B4-BE49-F238E27FC236}">
+                <a16:creationId xmlns:a16="http://schemas.microsoft.com/office/drawing/2014/main" id="{69111A68-5D1C-683F-949F-FCE04B27655B}"/>
+              </a:ext>
+            </a:extLst>
+          </p:cNvPr>
+          <p:cNvSpPr>
+            <a:spLocks noGrp="1"/>
+          </p:cNvSpPr>
+          <p:nvPr>
+            <p:ph type="title"/>
+          </p:nvPr>
+        </p:nvSpPr>
+        <p:spPr/>
+        <p:txBody>
+          <a:bodyPr/>
+          <a:lstStyle/>
+          <a:p>
+            <a:r>
+              <a:rPr lang="en-US" cap="none" dirty="0"/>
+              <a:t>Steps to use NeoDatis in your Project</a:t>
+            </a:r>
+            <a:endParaRPr lang="en-IN" cap="none" dirty="0"/>
+          </a:p>
+        </p:txBody>
+      </p:sp>
+      <p:sp>
+        <p:nvSpPr>
+          <p:cNvPr id="3" name="Content Placeholder 2">
+            <a:extLst>
+              <a:ext uri="{FF2B5EF4-FFF2-40B4-BE49-F238E27FC236}">
+                <a16:creationId xmlns:a16="http://schemas.microsoft.com/office/drawing/2014/main" id="{AF0751D0-6FEC-0FDD-565B-072703E95887}"/>
+              </a:ext>
+            </a:extLst>
+          </p:cNvPr>
+          <p:cNvSpPr>
+            <a:spLocks noGrp="1"/>
+          </p:cNvSpPr>
+          <p:nvPr>
+            <p:ph sz="half" idx="1"/>
+          </p:nvPr>
+        </p:nvSpPr>
+        <p:spPr/>
+        <p:txBody>
+          <a:bodyPr>
+            <a:normAutofit/>
+          </a:bodyPr>
+          <a:lstStyle/>
+          <a:p>
+            <a:pPr>
+              <a:buFont typeface="Wingdings" panose="05000000000000000000" pitchFamily="2" charset="2"/>
+              <a:buChar char="Ø"/>
+            </a:pPr>
+            <a:r>
+              <a:rPr lang="en-US" sz="2400" dirty="0"/>
+              <a:t>Import the NeoDatis ODB library.</a:t>
+            </a:r>
+          </a:p>
+          <a:p>
+            <a:pPr>
+              <a:buFont typeface="Wingdings" panose="05000000000000000000" pitchFamily="2" charset="2"/>
+              <a:buChar char="Ø"/>
+            </a:pPr>
+            <a:r>
+              <a:rPr lang="en-IN" sz="2400" dirty="0"/>
+              <a:t>Create a database instance.</a:t>
+            </a:r>
+          </a:p>
+          <a:p>
+            <a:pPr>
+              <a:buFont typeface="Wingdings" panose="05000000000000000000" pitchFamily="2" charset="2"/>
+              <a:buChar char="Ø"/>
+            </a:pPr>
+            <a:r>
+              <a:rPr lang="en-US" sz="2400" dirty="0"/>
+              <a:t>Store objects in the database.</a:t>
+            </a:r>
+          </a:p>
+          <a:p>
+            <a:pPr>
+              <a:buFont typeface="Wingdings" panose="05000000000000000000" pitchFamily="2" charset="2"/>
+              <a:buChar char="Ø"/>
+            </a:pPr>
+            <a:r>
+              <a:rPr lang="en-US" sz="2400" dirty="0"/>
+              <a:t>Retrieve objects from the database.</a:t>
+            </a:r>
+          </a:p>
+          <a:p>
+            <a:pPr>
+              <a:buFont typeface="Wingdings" panose="05000000000000000000" pitchFamily="2" charset="2"/>
+              <a:buChar char="Ø"/>
+            </a:pPr>
+            <a:r>
+              <a:rPr lang="en-IN" sz="2400" dirty="0"/>
+              <a:t>Close the database instance.</a:t>
+            </a:r>
+          </a:p>
+        </p:txBody>
+      </p:sp>
+      <p:sp>
+        <p:nvSpPr>
+          <p:cNvPr id="4" name="Content Placeholder 3">
+            <a:extLst>
+              <a:ext uri="{FF2B5EF4-FFF2-40B4-BE49-F238E27FC236}">
+                <a16:creationId xmlns:a16="http://schemas.microsoft.com/office/drawing/2014/main" id="{43FCC04B-235D-9883-67F4-2FBDFBD60A8B}"/>
+              </a:ext>
+            </a:extLst>
+          </p:cNvPr>
+          <p:cNvSpPr>
+            <a:spLocks noGrp="1"/>
+          </p:cNvSpPr>
+          <p:nvPr>
+            <p:ph sz="half" idx="2"/>
+          </p:nvPr>
+        </p:nvSpPr>
+        <p:spPr/>
+        <p:txBody>
+          <a:bodyPr>
+            <a:normAutofit/>
+          </a:bodyPr>
+          <a:lstStyle/>
+          <a:p>
+            <a:pPr marL="0" indent="0">
+              <a:buNone/>
+            </a:pPr>
+            <a:endParaRPr lang="en-IN" sz="2400" b="1" dirty="0"/>
+          </a:p>
+          <a:p>
+            <a:pPr marL="0" indent="0">
+              <a:buNone/>
+            </a:pPr>
+            <a:r>
+              <a:rPr lang="en-IN" sz="2400" b="1" dirty="0" err="1"/>
+              <a:t>NeoDatis.open</a:t>
+            </a:r>
+            <a:r>
+              <a:rPr lang="en-IN" sz="2400" b="1" dirty="0"/>
+              <a:t>()</a:t>
+            </a:r>
+          </a:p>
+          <a:p>
+            <a:pPr marL="0" indent="0">
+              <a:buNone/>
+            </a:pPr>
+            <a:r>
+              <a:rPr lang="en-IN" sz="2400" b="1" dirty="0" err="1"/>
+              <a:t>ODB.store</a:t>
+            </a:r>
+            <a:r>
+              <a:rPr lang="en-IN" sz="2400" b="1" dirty="0"/>
+              <a:t>()</a:t>
+            </a:r>
+          </a:p>
+          <a:p>
+            <a:pPr marL="0" indent="0">
+              <a:buNone/>
+            </a:pPr>
+            <a:r>
+              <a:rPr lang="en-IN" sz="2400" b="1" dirty="0" err="1"/>
+              <a:t>ODB.query</a:t>
+            </a:r>
+            <a:r>
+              <a:rPr lang="en-IN" sz="2400" b="1" dirty="0"/>
+              <a:t>()</a:t>
+            </a:r>
+          </a:p>
+          <a:p>
+            <a:pPr marL="0" indent="0">
+              <a:buNone/>
+            </a:pPr>
+            <a:r>
+              <a:rPr lang="en-IN" sz="2400" b="1" dirty="0" err="1"/>
+              <a:t>ODB.close</a:t>
+            </a:r>
+            <a:r>
+              <a:rPr lang="en-IN" sz="2400" b="1" dirty="0"/>
+              <a:t>()</a:t>
+            </a:r>
+          </a:p>
+        </p:txBody>
+      </p:sp>
+      <p:pic>
+        <p:nvPicPr>
+          <p:cNvPr id="5" name="Picture 4">
+            <a:extLst>
+              <a:ext uri="{FF2B5EF4-FFF2-40B4-BE49-F238E27FC236}">
+                <a16:creationId xmlns:a16="http://schemas.microsoft.com/office/drawing/2014/main" id="{10BD3055-A9E6-BFA1-D16C-2406F2CAFD94}"/>
+              </a:ext>
+            </a:extLst>
+          </p:cNvPr>
+          <p:cNvPicPr>
+            <a:picLocks noChangeAspect="1"/>
+          </p:cNvPicPr>
+          <p:nvPr/>
+        </p:nvPicPr>
+        <p:blipFill>
+          <a:blip r:embed="rId2"/>
+          <a:stretch>
+            <a:fillRect/>
+          </a:stretch>
+        </p:blipFill>
+        <p:spPr>
+          <a:xfrm>
+            <a:off x="11295529" y="0"/>
+            <a:ext cx="896471" cy="459441"/>
+          </a:xfrm>
+          <a:prstGeom prst="rect">
+            <a:avLst/>
+          </a:prstGeom>
+        </p:spPr>
+      </p:pic>
+    </p:spTree>
+    <p:extLst>
+      <p:ext uri="{BB962C8B-B14F-4D97-AF65-F5344CB8AC3E}">
+        <p14:creationId xmlns:p14="http://schemas.microsoft.com/office/powerpoint/2010/main" val="2784516959"/>
+      </p:ext>
+    </p:extLst>
+  </p:cSld>
+  <p:clrMapOvr>
+    <a:masterClrMapping/>
+  </p:clrMapOvr>
+</p:sld>
+</file>
+
+<file path=ppt/slides/slide7.xml><?xml version="1.0" encoding="utf-8"?>
+<p:sld xmlns:a="http://schemas.openxmlformats.org/drawingml/2006/main" xmlns:r="http://schemas.openxmlformats.org/officeDocument/2006/relationships" xmlns:p="http://schemas.openxmlformats.org/presentationml/2006/main">
+  <p:cSld>
+    <p:spTree>
+      <p:nvGrpSpPr>
+        <p:cNvPr id="1" name=""/>
+        <p:cNvGrpSpPr/>
+        <p:nvPr/>
+      </p:nvGrpSpPr>
+      <p:grpSpPr>
+        <a:xfrm>
+          <a:off x="0" y="0"/>
+          <a:ext cx="0" cy="0"/>
+          <a:chOff x="0" y="0"/>
+          <a:chExt cx="0" cy="0"/>
+        </a:xfrm>
+      </p:grpSpPr>
+      <p:sp>
+        <p:nvSpPr>
+          <p:cNvPr id="6" name="Title 5">
+            <a:extLst>
+              <a:ext uri="{FF2B5EF4-FFF2-40B4-BE49-F238E27FC236}">
+                <a16:creationId xmlns:a16="http://schemas.microsoft.com/office/drawing/2014/main" id="{2B0FDF20-6639-11F9-AFED-AD3CF2B1E947}"/>
+              </a:ext>
+            </a:extLst>
+          </p:cNvPr>
+          <p:cNvSpPr>
+            <a:spLocks noGrp="1"/>
+          </p:cNvSpPr>
+          <p:nvPr>
+            <p:ph type="title"/>
+          </p:nvPr>
+        </p:nvSpPr>
+        <p:spPr/>
+        <p:txBody>
+          <a:bodyPr/>
+          <a:lstStyle/>
+          <a:p>
+            <a:r>
+              <a:rPr lang="en-US" cap="none" dirty="0"/>
+              <a:t>Example store and retrieve a simple object : NeoDatis</a:t>
+            </a:r>
+            <a:endParaRPr lang="en-IN" cap="none" dirty="0"/>
+          </a:p>
+        </p:txBody>
+      </p:sp>
+      <p:sp>
+        <p:nvSpPr>
+          <p:cNvPr id="3" name="Content Placeholder 2">
+            <a:extLst>
+              <a:ext uri="{FF2B5EF4-FFF2-40B4-BE49-F238E27FC236}">
+                <a16:creationId xmlns:a16="http://schemas.microsoft.com/office/drawing/2014/main" id="{4F09ED34-CA0C-7DEF-D9DF-5D3E69847712}"/>
+              </a:ext>
+            </a:extLst>
+          </p:cNvPr>
+          <p:cNvSpPr>
+            <a:spLocks noGrp="1"/>
+          </p:cNvSpPr>
+          <p:nvPr>
+            <p:ph sz="half" idx="1"/>
+          </p:nvPr>
+        </p:nvSpPr>
+        <p:spPr/>
+        <p:txBody>
+          <a:bodyPr>
+            <a:normAutofit lnSpcReduction="10000"/>
+          </a:bodyPr>
+          <a:lstStyle/>
+          <a:p>
+            <a:pPr marL="0" indent="0">
+              <a:lnSpc>
+                <a:spcPct val="120000"/>
+              </a:lnSpc>
+              <a:buNone/>
+            </a:pPr>
+            <a:r>
+              <a:rPr lang="en-IN" sz="1600" b="1" dirty="0"/>
+              <a:t>// Import the NeoDatis ODB library.</a:t>
+            </a:r>
+          </a:p>
+          <a:p>
+            <a:pPr marL="0" indent="0">
+              <a:lnSpc>
+                <a:spcPct val="120000"/>
+              </a:lnSpc>
+              <a:buNone/>
+            </a:pPr>
+            <a:r>
+              <a:rPr lang="en-IN" sz="1600" dirty="0"/>
+              <a:t>import </a:t>
+            </a:r>
+            <a:r>
+              <a:rPr lang="en-IN" sz="1600" dirty="0" err="1"/>
+              <a:t>org.neodatis.odb.ODB</a:t>
+            </a:r>
+            <a:r>
+              <a:rPr lang="en-IN" sz="1600" dirty="0"/>
+              <a:t>;</a:t>
+            </a:r>
+          </a:p>
+          <a:p>
+            <a:pPr marL="0" indent="0">
+              <a:lnSpc>
+                <a:spcPct val="120000"/>
+              </a:lnSpc>
+              <a:buNone/>
+            </a:pPr>
+            <a:r>
+              <a:rPr lang="en-IN" sz="1600" dirty="0"/>
+              <a:t>import </a:t>
+            </a:r>
+            <a:r>
+              <a:rPr lang="en-IN" sz="1600" dirty="0" err="1"/>
+              <a:t>org.neodatis.odb.ODBFactory</a:t>
+            </a:r>
+            <a:r>
+              <a:rPr lang="en-IN" sz="1600" dirty="0"/>
+              <a:t>;</a:t>
+            </a:r>
+          </a:p>
+          <a:p>
+            <a:pPr marL="0" indent="0">
+              <a:lnSpc>
+                <a:spcPct val="120000"/>
+              </a:lnSpc>
+              <a:buNone/>
+            </a:pPr>
+            <a:endParaRPr lang="en-IN" sz="1600" dirty="0"/>
+          </a:p>
+          <a:p>
+            <a:pPr marL="0" indent="0">
+              <a:lnSpc>
+                <a:spcPct val="120000"/>
+              </a:lnSpc>
+              <a:buNone/>
+            </a:pPr>
+            <a:r>
+              <a:rPr lang="en-IN" sz="1600" b="1" dirty="0"/>
+              <a:t>// Create a database instance.</a:t>
+            </a:r>
+          </a:p>
+          <a:p>
+            <a:pPr marL="0" indent="0">
+              <a:lnSpc>
+                <a:spcPct val="120000"/>
+              </a:lnSpc>
+              <a:buNone/>
+            </a:pPr>
+            <a:r>
+              <a:rPr lang="en-IN" sz="1600" dirty="0"/>
+              <a:t>ODB </a:t>
+            </a:r>
+            <a:r>
+              <a:rPr lang="en-IN" sz="1600" dirty="0" err="1"/>
+              <a:t>odb</a:t>
+            </a:r>
+            <a:r>
+              <a:rPr lang="en-IN" sz="1600" dirty="0"/>
+              <a:t> = </a:t>
+            </a:r>
+            <a:r>
+              <a:rPr lang="en-IN" sz="1600" dirty="0" err="1"/>
+              <a:t>ODBFactory.open</a:t>
+            </a:r>
+            <a:r>
+              <a:rPr lang="en-IN" sz="1600" dirty="0"/>
+              <a:t>("</a:t>
+            </a:r>
+            <a:r>
+              <a:rPr lang="en-IN" sz="1600" dirty="0" err="1"/>
+              <a:t>mydatabase.odb</a:t>
+            </a:r>
+            <a:r>
+              <a:rPr lang="en-IN" sz="1600" dirty="0"/>
+              <a:t>");</a:t>
+            </a:r>
+          </a:p>
+          <a:p>
+            <a:pPr marL="0" indent="0">
+              <a:lnSpc>
+                <a:spcPct val="120000"/>
+              </a:lnSpc>
+              <a:buNone/>
+            </a:pPr>
+            <a:endParaRPr lang="en-IN" sz="1600" dirty="0"/>
+          </a:p>
+          <a:p>
+            <a:pPr marL="0" indent="0">
+              <a:lnSpc>
+                <a:spcPct val="120000"/>
+              </a:lnSpc>
+              <a:buNone/>
+            </a:pPr>
+            <a:r>
+              <a:rPr lang="en-IN" sz="1600" b="1" dirty="0"/>
+              <a:t>// Create an object to store.</a:t>
+            </a:r>
+          </a:p>
+          <a:p>
+            <a:pPr marL="0" indent="0">
+              <a:lnSpc>
+                <a:spcPct val="120000"/>
+              </a:lnSpc>
+              <a:buNone/>
+            </a:pPr>
+            <a:r>
+              <a:rPr lang="en-IN" sz="1600" dirty="0"/>
+              <a:t>Person </a:t>
+            </a:r>
+            <a:r>
+              <a:rPr lang="en-IN" sz="1600" dirty="0" err="1"/>
+              <a:t>person</a:t>
+            </a:r>
+            <a:r>
+              <a:rPr lang="en-IN" sz="1600" dirty="0"/>
+              <a:t> = new Person("John Doe");</a:t>
+            </a:r>
+          </a:p>
+        </p:txBody>
+      </p:sp>
+      <p:sp>
+        <p:nvSpPr>
+          <p:cNvPr id="7" name="Content Placeholder 6">
+            <a:extLst>
+              <a:ext uri="{FF2B5EF4-FFF2-40B4-BE49-F238E27FC236}">
+                <a16:creationId xmlns:a16="http://schemas.microsoft.com/office/drawing/2014/main" id="{6710A9CA-4BF1-F492-F6BF-40762C9DDC79}"/>
+              </a:ext>
+            </a:extLst>
+          </p:cNvPr>
+          <p:cNvSpPr>
+            <a:spLocks noGrp="1"/>
+          </p:cNvSpPr>
+          <p:nvPr>
+            <p:ph sz="half" idx="2"/>
+          </p:nvPr>
+        </p:nvSpPr>
+        <p:spPr/>
+        <p:txBody>
+          <a:bodyPr>
+            <a:normAutofit lnSpcReduction="10000"/>
+          </a:bodyPr>
+          <a:lstStyle/>
+          <a:p>
+            <a:pPr marL="0" indent="0">
+              <a:lnSpc>
+                <a:spcPct val="120000"/>
+              </a:lnSpc>
+              <a:buNone/>
+            </a:pPr>
+            <a:r>
+              <a:rPr lang="en-IN" sz="1600" b="1" dirty="0"/>
+              <a:t>// Store the object in the database.</a:t>
+            </a:r>
+          </a:p>
+          <a:p>
+            <a:pPr marL="0" indent="0">
+              <a:lnSpc>
+                <a:spcPct val="120000"/>
+              </a:lnSpc>
+              <a:buNone/>
+            </a:pPr>
+            <a:r>
+              <a:rPr lang="en-IN" sz="1600" dirty="0" err="1"/>
+              <a:t>odb.store</a:t>
+            </a:r>
+            <a:r>
+              <a:rPr lang="en-IN" sz="1600" dirty="0"/>
+              <a:t>(person);</a:t>
+            </a:r>
+          </a:p>
+          <a:p>
+            <a:pPr marL="0" indent="0">
+              <a:lnSpc>
+                <a:spcPct val="120000"/>
+              </a:lnSpc>
+              <a:buNone/>
+            </a:pPr>
+            <a:endParaRPr lang="en-IN" sz="1600" dirty="0"/>
+          </a:p>
+          <a:p>
+            <a:pPr marL="0" indent="0">
+              <a:lnSpc>
+                <a:spcPct val="120000"/>
+              </a:lnSpc>
+              <a:buNone/>
+            </a:pPr>
+            <a:r>
+              <a:rPr lang="en-IN" sz="1600" b="1" dirty="0"/>
+              <a:t>// Retrieve the object from the database.</a:t>
+            </a:r>
+          </a:p>
+          <a:p>
+            <a:pPr marL="0" indent="0">
+              <a:lnSpc>
+                <a:spcPct val="120000"/>
+              </a:lnSpc>
+              <a:buNone/>
+            </a:pPr>
+            <a:r>
+              <a:rPr lang="en-IN" sz="1600" dirty="0"/>
+              <a:t>Person </a:t>
+            </a:r>
+            <a:r>
+              <a:rPr lang="en-IN" sz="1600" dirty="0" err="1"/>
+              <a:t>retrievedPerson</a:t>
+            </a:r>
+            <a:r>
+              <a:rPr lang="en-IN" sz="1600" dirty="0"/>
+              <a:t> = (Person) </a:t>
+            </a:r>
+            <a:r>
+              <a:rPr lang="en-IN" sz="1600" dirty="0" err="1"/>
+              <a:t>odb.query</a:t>
+            </a:r>
+            <a:r>
+              <a:rPr lang="en-IN" sz="1600" dirty="0"/>
+              <a:t>(</a:t>
+            </a:r>
+            <a:r>
+              <a:rPr lang="en-IN" sz="1600" dirty="0" err="1"/>
+              <a:t>Person.class</a:t>
+            </a:r>
+            <a:r>
+              <a:rPr lang="en-IN" sz="1600" dirty="0"/>
+              <a:t>).</a:t>
+            </a:r>
+            <a:r>
+              <a:rPr lang="en-IN" sz="1600" dirty="0" err="1"/>
+              <a:t>uniqueResult</a:t>
+            </a:r>
+            <a:r>
+              <a:rPr lang="en-IN" sz="1600" dirty="0"/>
+              <a:t>();</a:t>
+            </a:r>
+          </a:p>
+          <a:p>
+            <a:pPr marL="0" indent="0">
+              <a:lnSpc>
+                <a:spcPct val="120000"/>
+              </a:lnSpc>
+              <a:buNone/>
+            </a:pPr>
+            <a:endParaRPr lang="en-IN" sz="1600" dirty="0"/>
+          </a:p>
+          <a:p>
+            <a:pPr marL="0" indent="0">
+              <a:lnSpc>
+                <a:spcPct val="120000"/>
+              </a:lnSpc>
+              <a:buNone/>
+            </a:pPr>
+            <a:r>
+              <a:rPr lang="en-IN" sz="1600" b="1" dirty="0"/>
+              <a:t>// Close the database instance.</a:t>
+            </a:r>
+          </a:p>
+          <a:p>
+            <a:pPr marL="0" indent="0">
+              <a:lnSpc>
+                <a:spcPct val="120000"/>
+              </a:lnSpc>
+              <a:buNone/>
+            </a:pPr>
+            <a:r>
+              <a:rPr lang="en-IN" sz="1600" dirty="0" err="1"/>
+              <a:t>odb.close</a:t>
+            </a:r>
+            <a:r>
+              <a:rPr lang="en-IN" sz="1600" dirty="0"/>
+              <a:t>();</a:t>
+            </a:r>
+          </a:p>
+        </p:txBody>
+      </p:sp>
+      <p:pic>
+        <p:nvPicPr>
+          <p:cNvPr id="8" name="Picture 7">
+            <a:extLst>
+              <a:ext uri="{FF2B5EF4-FFF2-40B4-BE49-F238E27FC236}">
+                <a16:creationId xmlns:a16="http://schemas.microsoft.com/office/drawing/2014/main" id="{D88948E9-6447-5E2F-BDE1-A4ED9E509FCF}"/>
+              </a:ext>
+            </a:extLst>
+          </p:cNvPr>
+          <p:cNvPicPr>
+            <a:picLocks noChangeAspect="1"/>
+          </p:cNvPicPr>
+          <p:nvPr/>
+        </p:nvPicPr>
+        <p:blipFill>
+          <a:blip r:embed="rId2"/>
+          <a:stretch>
+            <a:fillRect/>
+          </a:stretch>
+        </p:blipFill>
+        <p:spPr>
+          <a:xfrm>
+            <a:off x="11295529" y="0"/>
+            <a:ext cx="896471" cy="459441"/>
+          </a:xfrm>
+          <a:prstGeom prst="rect">
+            <a:avLst/>
+          </a:prstGeom>
+        </p:spPr>
+      </p:pic>
+    </p:spTree>
+    <p:extLst>
+      <p:ext uri="{BB962C8B-B14F-4D97-AF65-F5344CB8AC3E}">
+        <p14:creationId xmlns:p14="http://schemas.microsoft.com/office/powerpoint/2010/main" val="164420021"/>
+      </p:ext>
+    </p:extLst>
+  </p:cSld>
+  <p:clrMapOvr>
+    <a:masterClrMapping/>
+  </p:clrMapOvr>
+</p:sld>
+</file>
+
+<file path=ppt/slides/slide8.xml><?xml version="1.0" encoding="utf-8"?>
+<p:sld xmlns:a="http://schemas.openxmlformats.org/drawingml/2006/main" xmlns:r="http://schemas.openxmlformats.org/officeDocument/2006/relationships" xmlns:p="http://schemas.openxmlformats.org/presentationml/2006/main">
+  <p:cSld>
+    <p:spTree>
+      <p:nvGrpSpPr>
+        <p:cNvPr id="1" name=""/>
+        <p:cNvGrpSpPr/>
+        <p:nvPr/>
+      </p:nvGrpSpPr>
+      <p:grpSpPr>
+        <a:xfrm>
+          <a:off x="0" y="0"/>
+          <a:ext cx="0" cy="0"/>
+          <a:chOff x="0" y="0"/>
+          <a:chExt cx="0" cy="0"/>
+        </a:xfrm>
+      </p:grpSpPr>
+      <p:pic>
+        <p:nvPicPr>
+          <p:cNvPr id="5" name="Content Placeholder 4">
+            <a:extLst>
+              <a:ext uri="{FF2B5EF4-FFF2-40B4-BE49-F238E27FC236}">
+                <a16:creationId xmlns:a16="http://schemas.microsoft.com/office/drawing/2014/main" id="{2A5E1404-0D67-34B0-94A2-01FB63C6ED64}"/>
+              </a:ext>
+            </a:extLst>
+          </p:cNvPr>
+          <p:cNvPicPr>
+            <a:picLocks noGrp="1" noChangeAspect="1"/>
+          </p:cNvPicPr>
+          <p:nvPr>
+            <p:ph idx="1"/>
+          </p:nvPr>
+        </p:nvPicPr>
+        <p:blipFill>
+          <a:blip r:embed="rId2">
+            <a:extLst>
+              <a:ext uri="{837473B0-CC2E-450A-ABE3-18F120FF3D39}">
+                <a1611:picAttrSrcUrl xmlns:a1611="http://schemas.microsoft.com/office/drawing/2016/11/main" r:id="rId3"/>
+              </a:ext>
+            </a:extLst>
+          </a:blip>
+          <a:stretch>
+            <a:fillRect/>
+          </a:stretch>
+        </p:blipFill>
+        <p:spPr>
+          <a:xfrm>
+            <a:off x="2611547" y="1612106"/>
+            <a:ext cx="6968906" cy="3633787"/>
+          </a:xfrm>
+        </p:spPr>
+      </p:pic>
+    </p:spTree>
+    <p:extLst>
+      <p:ext uri="{BB962C8B-B14F-4D97-AF65-F5344CB8AC3E}">
+        <p14:creationId xmlns:p14="http://schemas.microsoft.com/office/powerpoint/2010/main" val="1138276082"/>
+      </p:ext>
+    </p:extLst>
+  </p:cSld>
+  <p:clrMapOvr>
+    <a:masterClrMapping/>
+  </p:clrMapOvr>
+</p:sld>
+</file>
+
+<file path=ppt/slides/slide9.xml><?xml version="1.0" encoding="utf-8"?>
+<p:sld xmlns:a="http://schemas.openxmlformats.org/drawingml/2006/main" xmlns:r="http://schemas.openxmlformats.org/officeDocument/2006/relationships" xmlns:p="http://schemas.openxmlformats.org/presentationml/2006/main">
+  <p:cSld>
+    <p:spTree>
+      <p:nvGrpSpPr>
+        <p:cNvPr id="1" name=""/>
+        <p:cNvGrpSpPr/>
+        <p:nvPr/>
+      </p:nvGrpSpPr>
+      <p:grpSpPr>
+        <a:xfrm>
+          <a:off x="0" y="0"/>
+          <a:ext cx="0" cy="0"/>
+          <a:chOff x="0" y="0"/>
+          <a:chExt cx="0" cy="0"/>
+        </a:xfrm>
+      </p:grpSpPr>
+      <p:sp>
+        <p:nvSpPr>
+          <p:cNvPr id="2" name="Title 1">
+            <a:extLst>
+              <a:ext uri="{FF2B5EF4-FFF2-40B4-BE49-F238E27FC236}">
+                <a16:creationId xmlns:a16="http://schemas.microsoft.com/office/drawing/2014/main" id="{5E562972-3449-42D1-8185-B4BEFD52AB44}"/>
+              </a:ext>
+            </a:extLst>
+          </p:cNvPr>
+          <p:cNvSpPr>
+            <a:spLocks noGrp="1"/>
+          </p:cNvSpPr>
+          <p:nvPr>
+            <p:ph type="title"/>
+          </p:nvPr>
+        </p:nvSpPr>
+        <p:spPr/>
+        <p:txBody>
+          <a:bodyPr/>
+          <a:lstStyle/>
+          <a:p>
+            <a:r>
+              <a:rPr lang="en-US" dirty="0"/>
+              <a:t>What is a graph database?</a:t>
+            </a:r>
+          </a:p>
+        </p:txBody>
+      </p:sp>
+      <p:graphicFrame>
+        <p:nvGraphicFramePr>
+          <p:cNvPr id="6" name="Content Placeholder 5">
+            <a:extLst>
+              <a:ext uri="{FF2B5EF4-FFF2-40B4-BE49-F238E27FC236}">
+                <a16:creationId xmlns:a16="http://schemas.microsoft.com/office/drawing/2014/main" id="{7E9F011D-57D1-79D3-A656-D73E446A10C3}"/>
+              </a:ext>
+            </a:extLst>
+          </p:cNvPr>
+          <p:cNvGraphicFramePr>
+            <a:graphicFrameLocks noGrp="1"/>
+          </p:cNvGraphicFramePr>
+          <p:nvPr>
+            <p:ph idx="1"/>
+            <p:extLst>
+              <p:ext uri="{D42A27DB-BD31-4B8C-83A1-F6EECF244321}">
+                <p14:modId xmlns:p14="http://schemas.microsoft.com/office/powerpoint/2010/main" val="145026687"/>
+              </p:ext>
+            </p:extLst>
+          </p:nvPr>
+        </p:nvGraphicFramePr>
+        <p:xfrm>
+          <a:off x="581025" y="2341563"/>
+          <a:ext cx="11029950" cy="3633787"/>
+        </p:xfrm>
+        <a:graphic>
+          <a:graphicData uri="http://schemas.openxmlformats.org/drawingml/2006/diagram">
+            <dgm:relIds xmlns:dgm="http://schemas.openxmlformats.org/drawingml/2006/diagram" xmlns:r="http://schemas.openxmlformats.org/officeDocument/2006/relationships" r:dm="rId2" r:lo="rId3" r:qs="rId4" r:cs="rId5"/>
+          </a:graphicData>
+        </a:graphic>
+      </p:graphicFrame>
+      <p:pic>
+        <p:nvPicPr>
+          <p:cNvPr id="3" name="Picture 2">
+            <a:extLst>
+              <a:ext uri="{FF2B5EF4-FFF2-40B4-BE49-F238E27FC236}">
+                <a16:creationId xmlns:a16="http://schemas.microsoft.com/office/drawing/2014/main" id="{6A60917D-231A-838D-CCEF-B96819E7E83C}"/>
+              </a:ext>
+            </a:extLst>
+          </p:cNvPr>
+          <p:cNvPicPr>
+            <a:picLocks noChangeAspect="1"/>
+          </p:cNvPicPr>
+          <p:nvPr/>
+        </p:nvPicPr>
+        <p:blipFill>
+          <a:blip r:embed="rId7"/>
+          <a:stretch>
+            <a:fillRect/>
+          </a:stretch>
+        </p:blipFill>
+        <p:spPr>
+          <a:xfrm>
+            <a:off x="11295529" y="0"/>
+            <a:ext cx="896471" cy="459441"/>
+          </a:xfrm>
+          <a:prstGeom prst="rect">
+            <a:avLst/>
+          </a:prstGeom>
+        </p:spPr>
+      </p:pic>
+    </p:spTree>
+    <p:extLst>
+      <p:ext uri="{BB962C8B-B14F-4D97-AF65-F5344CB8AC3E}">
+        <p14:creationId xmlns:p14="http://schemas.microsoft.com/office/powerpoint/2010/main" val="263784652"/>
       </p:ext>
     </p:extLst>
   </p:cSld>
@@ -9344,21 +11381,21 @@
 </file>
 
 <file path=customXml/item1.xml><?xml version="1.0" encoding="utf-8"?>
+<?mso-contentType ?>
+<FormTemplates xmlns="http://schemas.microsoft.com/sharepoint/v3/contenttype/forms">
+  <Display>DocumentLibraryForm</Display>
+  <Edit>DocumentLibraryForm</Edit>
+  <New>DocumentLibraryForm</New>
+</FormTemplates>
+</file>
+
+<file path=customXml/item2.xml><?xml version="1.0" encoding="utf-8"?>
 <p:properties xmlns:p="http://schemas.microsoft.com/office/2006/metadata/properties" xmlns:xsi="http://www.w3.org/2001/XMLSchema-instance" xmlns:pc="http://schemas.microsoft.com/office/infopath/2007/PartnerControls">
   <documentManagement>
     <Status xmlns="71af3243-3dd4-4a8d-8c0d-dd76da1f02a5">Not started</Status>
     <MediaServiceKeyPoints xmlns="71af3243-3dd4-4a8d-8c0d-dd76da1f02a5" xsi:nil="true"/>
   </documentManagement>
 </p:properties>
-</file>
-
-<file path=customXml/item2.xml><?xml version="1.0" encoding="utf-8"?>
-<?mso-contentType ?>
-<FormTemplates xmlns="http://schemas.microsoft.com/sharepoint/v3/contenttype/forms">
-  <Display>DocumentLibraryForm</Display>
-  <Edit>DocumentLibraryForm</Edit>
-  <New>DocumentLibraryForm</New>
-</FormTemplates>
 </file>
 
 <file path=customXml/item3.xml><?xml version="1.0" encoding="utf-8"?>
@@ -9583,19 +11620,26 @@
 </file>
 
 <file path=customXml/itemProps1.xml><?xml version="1.0" encoding="utf-8"?>
-<ds:datastoreItem xmlns:ds="http://schemas.openxmlformats.org/officeDocument/2006/customXml" ds:itemID="{8D289AE2-D2AE-49D1-AFAC-3A79F6794255}">
+<ds:datastoreItem xmlns:ds="http://schemas.openxmlformats.org/officeDocument/2006/customXml" ds:itemID="{927BD4C1-B6B1-4715-ABF9-E660A51A4EA0}">
   <ds:schemaRefs>
-    <ds:schemaRef ds:uri="http://schemas.microsoft.com/office/2006/metadata/properties"/>
-    <ds:schemaRef ds:uri="http://schemas.microsoft.com/office/infopath/2007/PartnerControls"/>
-    <ds:schemaRef ds:uri="71af3243-3dd4-4a8d-8c0d-dd76da1f02a5"/>
+    <ds:schemaRef ds:uri="http://schemas.microsoft.com/sharepoint/v3/contenttype/forms"/>
   </ds:schemaRefs>
 </ds:datastoreItem>
 </file>
 
 <file path=customXml/itemProps2.xml><?xml version="1.0" encoding="utf-8"?>
-<ds:datastoreItem xmlns:ds="http://schemas.openxmlformats.org/officeDocument/2006/customXml" ds:itemID="{927BD4C1-B6B1-4715-ABF9-E660A51A4EA0}">
+<ds:datastoreItem xmlns:ds="http://schemas.openxmlformats.org/officeDocument/2006/customXml" ds:itemID="{8D289AE2-D2AE-49D1-AFAC-3A79F6794255}">
   <ds:schemaRefs>
-    <ds:schemaRef ds:uri="http://schemas.microsoft.com/sharepoint/v3/contenttype/forms"/>
+    <ds:schemaRef ds:uri="http://purl.org/dc/elements/1.1/"/>
+    <ds:schemaRef ds:uri="http://purl.org/dc/terms/"/>
+    <ds:schemaRef ds:uri="http://schemas.openxmlformats.org/package/2006/metadata/core-properties"/>
+    <ds:schemaRef ds:uri="71af3243-3dd4-4a8d-8c0d-dd76da1f02a5"/>
+    <ds:schemaRef ds:uri="http://www.w3.org/XML/1998/namespace"/>
+    <ds:schemaRef ds:uri="http://schemas.microsoft.com/office/2006/documentManagement/types"/>
+    <ds:schemaRef ds:uri="http://purl.org/dc/dcmitype/"/>
+    <ds:schemaRef ds:uri="http://schemas.microsoft.com/office/infopath/2007/PartnerControls"/>
+    <ds:schemaRef ds:uri="16c05727-aa75-4e4a-9b5f-8a80a1165891"/>
+    <ds:schemaRef ds:uri="http://schemas.microsoft.com/office/2006/metadata/properties"/>
   </ds:schemaRefs>
 </ds:datastoreItem>
 </file>
